--- a/_figures/104-inj-sur-bij.pptx
+++ b/_figures/104-inj-sur-bij.pptx
@@ -2,12 +2,12 @@
 <file path=ppt/presentation.xml><?xml version="1.0" encoding="utf-8"?>
 <p:presentation xmlns:a="http://schemas.openxmlformats.org/drawingml/2006/main" xmlns:r="http://schemas.openxmlformats.org/officeDocument/2006/relationships" xmlns:p="http://schemas.openxmlformats.org/presentationml/2006/main" saveSubsetFonts="1">
   <p:sldMasterIdLst>
-    <p:sldMasterId id="2147483696" r:id="rId1"/>
+    <p:sldMasterId id="2147483720" r:id="rId1"/>
   </p:sldMasterIdLst>
   <p:sldIdLst>
     <p:sldId id="256" r:id="rId2"/>
   </p:sldIdLst>
-  <p:sldSz cx="9720263" cy="3240088"/>
+  <p:sldSz cx="7199313" cy="2519363"/>
   <p:notesSz cx="6858000" cy="9945688"/>
   <p:defaultTextStyle>
     <a:defPPr>
@@ -141,15 +141,15 @@
         </p:nvSpPr>
         <p:spPr>
           <a:xfrm>
-            <a:off x="1215033" y="530264"/>
-            <a:ext cx="7290197" cy="1128031"/>
+            <a:off x="899914" y="412312"/>
+            <a:ext cx="5399485" cy="877112"/>
           </a:xfrm>
         </p:spPr>
         <p:txBody>
           <a:bodyPr anchor="b"/>
           <a:lstStyle>
             <a:lvl1pPr algn="ctr">
-              <a:defRPr sz="2835"/>
+              <a:defRPr sz="2204"/>
             </a:lvl1pPr>
           </a:lstStyle>
           <a:p>
@@ -173,8 +173,8 @@
         </p:nvSpPr>
         <p:spPr>
           <a:xfrm>
-            <a:off x="1215033" y="1701796"/>
-            <a:ext cx="7290197" cy="782271"/>
+            <a:off x="899914" y="1323249"/>
+            <a:ext cx="5399485" cy="608263"/>
           </a:xfrm>
         </p:spPr>
         <p:txBody>
@@ -182,39 +182,39 @@
           <a:lstStyle>
             <a:lvl1pPr marL="0" indent="0" algn="ctr">
               <a:buNone/>
-              <a:defRPr sz="1134"/>
+              <a:defRPr sz="882"/>
             </a:lvl1pPr>
-            <a:lvl2pPr marL="216027" indent="0" algn="ctr">
-              <a:buNone/>
-              <a:defRPr sz="945"/>
+            <a:lvl2pPr marL="167975" indent="0" algn="ctr">
+              <a:buNone/>
+              <a:defRPr sz="735"/>
             </a:lvl2pPr>
-            <a:lvl3pPr marL="432054" indent="0" algn="ctr">
-              <a:buNone/>
-              <a:defRPr sz="851"/>
+            <a:lvl3pPr marL="335951" indent="0" algn="ctr">
+              <a:buNone/>
+              <a:defRPr sz="661"/>
             </a:lvl3pPr>
-            <a:lvl4pPr marL="648081" indent="0" algn="ctr">
-              <a:buNone/>
-              <a:defRPr sz="756"/>
+            <a:lvl4pPr marL="503926" indent="0" algn="ctr">
+              <a:buNone/>
+              <a:defRPr sz="588"/>
             </a:lvl4pPr>
-            <a:lvl5pPr marL="864108" indent="0" algn="ctr">
-              <a:buNone/>
-              <a:defRPr sz="756"/>
+            <a:lvl5pPr marL="671901" indent="0" algn="ctr">
+              <a:buNone/>
+              <a:defRPr sz="588"/>
             </a:lvl5pPr>
-            <a:lvl6pPr marL="1080135" indent="0" algn="ctr">
-              <a:buNone/>
-              <a:defRPr sz="756"/>
+            <a:lvl6pPr marL="839876" indent="0" algn="ctr">
+              <a:buNone/>
+              <a:defRPr sz="588"/>
             </a:lvl6pPr>
-            <a:lvl7pPr marL="1296162" indent="0" algn="ctr">
-              <a:buNone/>
-              <a:defRPr sz="756"/>
+            <a:lvl7pPr marL="1007852" indent="0" algn="ctr">
+              <a:buNone/>
+              <a:defRPr sz="588"/>
             </a:lvl7pPr>
-            <a:lvl8pPr marL="1512189" indent="0" algn="ctr">
-              <a:buNone/>
-              <a:defRPr sz="756"/>
+            <a:lvl8pPr marL="1175827" indent="0" algn="ctr">
+              <a:buNone/>
+              <a:defRPr sz="588"/>
             </a:lvl8pPr>
-            <a:lvl9pPr marL="1728216" indent="0" algn="ctr">
-              <a:buNone/>
-              <a:defRPr sz="756"/>
+            <a:lvl9pPr marL="1343802" indent="0" algn="ctr">
+              <a:buNone/>
+              <a:defRPr sz="588"/>
             </a:lvl9pPr>
           </a:lstStyle>
           <a:p>
@@ -243,7 +243,7 @@
           <a:p>
             <a:fld id="{D172C9BE-1BBC-41F8-BAF9-F4D743417021}" type="datetimeFigureOut">
               <a:rPr lang="de-DE" smtClean="0"/>
-              <a:t>06.08.2023</a:t>
+              <a:t>24.09.2024</a:t>
             </a:fld>
             <a:endParaRPr lang="de-DE"/>
           </a:p>
@@ -294,7 +294,7 @@
     </p:spTree>
     <p:extLst>
       <p:ext uri="{BB962C8B-B14F-4D97-AF65-F5344CB8AC3E}">
-        <p14:creationId xmlns:p14="http://schemas.microsoft.com/office/powerpoint/2010/main" val="4102709527"/>
+        <p14:creationId xmlns:p14="http://schemas.microsoft.com/office/powerpoint/2010/main" val="3046112910"/>
       </p:ext>
     </p:extLst>
   </p:cSld>
@@ -413,7 +413,7 @@
           <a:p>
             <a:fld id="{D172C9BE-1BBC-41F8-BAF9-F4D743417021}" type="datetimeFigureOut">
               <a:rPr lang="de-DE" smtClean="0"/>
-              <a:t>06.08.2023</a:t>
+              <a:t>24.09.2024</a:t>
             </a:fld>
             <a:endParaRPr lang="de-DE"/>
           </a:p>
@@ -464,7 +464,7 @@
     </p:spTree>
     <p:extLst>
       <p:ext uri="{BB962C8B-B14F-4D97-AF65-F5344CB8AC3E}">
-        <p14:creationId xmlns:p14="http://schemas.microsoft.com/office/powerpoint/2010/main" val="1086765818"/>
+        <p14:creationId xmlns:p14="http://schemas.microsoft.com/office/powerpoint/2010/main" val="1776784720"/>
       </p:ext>
     </p:extLst>
   </p:cSld>
@@ -503,8 +503,8 @@
         </p:nvSpPr>
         <p:spPr>
           <a:xfrm>
-            <a:off x="6956063" y="172505"/>
-            <a:ext cx="2095932" cy="2745825"/>
+            <a:off x="5152008" y="134133"/>
+            <a:ext cx="1552352" cy="2135044"/>
           </a:xfrm>
         </p:spPr>
         <p:txBody>
@@ -531,8 +531,8 @@
         </p:nvSpPr>
         <p:spPr>
           <a:xfrm>
-            <a:off x="668268" y="172505"/>
-            <a:ext cx="6166292" cy="2745825"/>
+            <a:off x="494953" y="134133"/>
+            <a:ext cx="4567064" cy="2135044"/>
           </a:xfrm>
         </p:spPr>
         <p:txBody>
@@ -593,7 +593,7 @@
           <a:p>
             <a:fld id="{D172C9BE-1BBC-41F8-BAF9-F4D743417021}" type="datetimeFigureOut">
               <a:rPr lang="de-DE" smtClean="0"/>
-              <a:t>06.08.2023</a:t>
+              <a:t>24.09.2024</a:t>
             </a:fld>
             <a:endParaRPr lang="de-DE"/>
           </a:p>
@@ -644,7 +644,7 @@
     </p:spTree>
     <p:extLst>
       <p:ext uri="{BB962C8B-B14F-4D97-AF65-F5344CB8AC3E}">
-        <p14:creationId xmlns:p14="http://schemas.microsoft.com/office/powerpoint/2010/main" val="3615846636"/>
+        <p14:creationId xmlns:p14="http://schemas.microsoft.com/office/powerpoint/2010/main" val="2462581056"/>
       </p:ext>
     </p:extLst>
   </p:cSld>
@@ -763,7 +763,7 @@
           <a:p>
             <a:fld id="{D172C9BE-1BBC-41F8-BAF9-F4D743417021}" type="datetimeFigureOut">
               <a:rPr lang="de-DE" smtClean="0"/>
-              <a:t>06.08.2023</a:t>
+              <a:t>24.09.2024</a:t>
             </a:fld>
             <a:endParaRPr lang="de-DE"/>
           </a:p>
@@ -814,7 +814,7 @@
     </p:spTree>
     <p:extLst>
       <p:ext uri="{BB962C8B-B14F-4D97-AF65-F5344CB8AC3E}">
-        <p14:creationId xmlns:p14="http://schemas.microsoft.com/office/powerpoint/2010/main" val="897401215"/>
+        <p14:creationId xmlns:p14="http://schemas.microsoft.com/office/powerpoint/2010/main" val="215783236"/>
       </p:ext>
     </p:extLst>
   </p:cSld>
@@ -853,15 +853,15 @@
         </p:nvSpPr>
         <p:spPr>
           <a:xfrm>
-            <a:off x="663205" y="807773"/>
-            <a:ext cx="8383727" cy="1347786"/>
+            <a:off x="491203" y="628091"/>
+            <a:ext cx="6209407" cy="1047985"/>
           </a:xfrm>
         </p:spPr>
         <p:txBody>
           <a:bodyPr anchor="b"/>
           <a:lstStyle>
             <a:lvl1pPr>
-              <a:defRPr sz="2835"/>
+              <a:defRPr sz="2204"/>
             </a:lvl1pPr>
           </a:lstStyle>
           <a:p>
@@ -885,8 +885,8 @@
         </p:nvSpPr>
         <p:spPr>
           <a:xfrm>
-            <a:off x="663205" y="2168309"/>
-            <a:ext cx="8383727" cy="708769"/>
+            <a:off x="491203" y="1685991"/>
+            <a:ext cx="6209407" cy="551110"/>
           </a:xfrm>
         </p:spPr>
         <p:txBody>
@@ -894,7 +894,7 @@
           <a:lstStyle>
             <a:lvl1pPr marL="0" indent="0">
               <a:buNone/>
-              <a:defRPr sz="1134">
+              <a:defRPr sz="882">
                 <a:solidFill>
                   <a:schemeClr val="tx1">
                     <a:tint val="75000"/>
@@ -902,9 +902,9 @@
                 </a:solidFill>
               </a:defRPr>
             </a:lvl1pPr>
-            <a:lvl2pPr marL="216027" indent="0">
-              <a:buNone/>
-              <a:defRPr sz="945">
+            <a:lvl2pPr marL="167975" indent="0">
+              <a:buNone/>
+              <a:defRPr sz="735">
                 <a:solidFill>
                   <a:schemeClr val="tx1">
                     <a:tint val="75000"/>
@@ -912,9 +912,9 @@
                 </a:solidFill>
               </a:defRPr>
             </a:lvl2pPr>
-            <a:lvl3pPr marL="432054" indent="0">
-              <a:buNone/>
-              <a:defRPr sz="851">
+            <a:lvl3pPr marL="335951" indent="0">
+              <a:buNone/>
+              <a:defRPr sz="661">
                 <a:solidFill>
                   <a:schemeClr val="tx1">
                     <a:tint val="75000"/>
@@ -922,9 +922,9 @@
                 </a:solidFill>
               </a:defRPr>
             </a:lvl3pPr>
-            <a:lvl4pPr marL="648081" indent="0">
-              <a:buNone/>
-              <a:defRPr sz="756">
+            <a:lvl4pPr marL="503926" indent="0">
+              <a:buNone/>
+              <a:defRPr sz="588">
                 <a:solidFill>
                   <a:schemeClr val="tx1">
                     <a:tint val="75000"/>
@@ -932,9 +932,9 @@
                 </a:solidFill>
               </a:defRPr>
             </a:lvl4pPr>
-            <a:lvl5pPr marL="864108" indent="0">
-              <a:buNone/>
-              <a:defRPr sz="756">
+            <a:lvl5pPr marL="671901" indent="0">
+              <a:buNone/>
+              <a:defRPr sz="588">
                 <a:solidFill>
                   <a:schemeClr val="tx1">
                     <a:tint val="75000"/>
@@ -942,9 +942,9 @@
                 </a:solidFill>
               </a:defRPr>
             </a:lvl5pPr>
-            <a:lvl6pPr marL="1080135" indent="0">
-              <a:buNone/>
-              <a:defRPr sz="756">
+            <a:lvl6pPr marL="839876" indent="0">
+              <a:buNone/>
+              <a:defRPr sz="588">
                 <a:solidFill>
                   <a:schemeClr val="tx1">
                     <a:tint val="75000"/>
@@ -952,9 +952,9 @@
                 </a:solidFill>
               </a:defRPr>
             </a:lvl6pPr>
-            <a:lvl7pPr marL="1296162" indent="0">
-              <a:buNone/>
-              <a:defRPr sz="756">
+            <a:lvl7pPr marL="1007852" indent="0">
+              <a:buNone/>
+              <a:defRPr sz="588">
                 <a:solidFill>
                   <a:schemeClr val="tx1">
                     <a:tint val="75000"/>
@@ -962,9 +962,9 @@
                 </a:solidFill>
               </a:defRPr>
             </a:lvl7pPr>
-            <a:lvl8pPr marL="1512189" indent="0">
-              <a:buNone/>
-              <a:defRPr sz="756">
+            <a:lvl8pPr marL="1175827" indent="0">
+              <a:buNone/>
+              <a:defRPr sz="588">
                 <a:solidFill>
                   <a:schemeClr val="tx1">
                     <a:tint val="75000"/>
@@ -972,9 +972,9 @@
                 </a:solidFill>
               </a:defRPr>
             </a:lvl8pPr>
-            <a:lvl9pPr marL="1728216" indent="0">
-              <a:buNone/>
-              <a:defRPr sz="756">
+            <a:lvl9pPr marL="1343802" indent="0">
+              <a:buNone/>
+              <a:defRPr sz="588">
                 <a:solidFill>
                   <a:schemeClr val="tx1">
                     <a:tint val="75000"/>
@@ -1009,7 +1009,7 @@
           <a:p>
             <a:fld id="{D172C9BE-1BBC-41F8-BAF9-F4D743417021}" type="datetimeFigureOut">
               <a:rPr lang="de-DE" smtClean="0"/>
-              <a:t>06.08.2023</a:t>
+              <a:t>24.09.2024</a:t>
             </a:fld>
             <a:endParaRPr lang="de-DE"/>
           </a:p>
@@ -1060,7 +1060,7 @@
     </p:spTree>
     <p:extLst>
       <p:ext uri="{BB962C8B-B14F-4D97-AF65-F5344CB8AC3E}">
-        <p14:creationId xmlns:p14="http://schemas.microsoft.com/office/powerpoint/2010/main" val="2298850480"/>
+        <p14:creationId xmlns:p14="http://schemas.microsoft.com/office/powerpoint/2010/main" val="3101133608"/>
       </p:ext>
     </p:extLst>
   </p:cSld>
@@ -1122,8 +1122,8 @@
         </p:nvSpPr>
         <p:spPr>
           <a:xfrm>
-            <a:off x="668268" y="862523"/>
-            <a:ext cx="4131112" cy="2055806"/>
+            <a:off x="494953" y="670664"/>
+            <a:ext cx="3059708" cy="1598513"/>
           </a:xfrm>
         </p:spPr>
         <p:txBody>
@@ -1179,8 +1179,8 @@
         </p:nvSpPr>
         <p:spPr>
           <a:xfrm>
-            <a:off x="4920883" y="862523"/>
-            <a:ext cx="4131112" cy="2055806"/>
+            <a:off x="3644652" y="670664"/>
+            <a:ext cx="3059708" cy="1598513"/>
           </a:xfrm>
         </p:spPr>
         <p:txBody>
@@ -1241,7 +1241,7 @@
           <a:p>
             <a:fld id="{D172C9BE-1BBC-41F8-BAF9-F4D743417021}" type="datetimeFigureOut">
               <a:rPr lang="de-DE" smtClean="0"/>
-              <a:t>06.08.2023</a:t>
+              <a:t>24.09.2024</a:t>
             </a:fld>
             <a:endParaRPr lang="de-DE"/>
           </a:p>
@@ -1292,7 +1292,7 @@
     </p:spTree>
     <p:extLst>
       <p:ext uri="{BB962C8B-B14F-4D97-AF65-F5344CB8AC3E}">
-        <p14:creationId xmlns:p14="http://schemas.microsoft.com/office/powerpoint/2010/main" val="1318342440"/>
+        <p14:creationId xmlns:p14="http://schemas.microsoft.com/office/powerpoint/2010/main" val="3334932986"/>
       </p:ext>
     </p:extLst>
   </p:cSld>
@@ -1331,8 +1331,8 @@
         </p:nvSpPr>
         <p:spPr>
           <a:xfrm>
-            <a:off x="669534" y="172505"/>
-            <a:ext cx="8383727" cy="626267"/>
+            <a:off x="495891" y="134133"/>
+            <a:ext cx="6209407" cy="486960"/>
           </a:xfrm>
         </p:spPr>
         <p:txBody>
@@ -1359,8 +1359,8 @@
         </p:nvSpPr>
         <p:spPr>
           <a:xfrm>
-            <a:off x="669535" y="794272"/>
-            <a:ext cx="4112126" cy="389260"/>
+            <a:off x="495891" y="617594"/>
+            <a:ext cx="3045647" cy="302673"/>
           </a:xfrm>
         </p:spPr>
         <p:txBody>
@@ -1368,39 +1368,39 @@
           <a:lstStyle>
             <a:lvl1pPr marL="0" indent="0">
               <a:buNone/>
-              <a:defRPr sz="1134" b="1"/>
+              <a:defRPr sz="882" b="1"/>
             </a:lvl1pPr>
-            <a:lvl2pPr marL="216027" indent="0">
-              <a:buNone/>
-              <a:defRPr sz="945" b="1"/>
+            <a:lvl2pPr marL="167975" indent="0">
+              <a:buNone/>
+              <a:defRPr sz="735" b="1"/>
             </a:lvl2pPr>
-            <a:lvl3pPr marL="432054" indent="0">
-              <a:buNone/>
-              <a:defRPr sz="851" b="1"/>
+            <a:lvl3pPr marL="335951" indent="0">
+              <a:buNone/>
+              <a:defRPr sz="661" b="1"/>
             </a:lvl3pPr>
-            <a:lvl4pPr marL="648081" indent="0">
-              <a:buNone/>
-              <a:defRPr sz="756" b="1"/>
+            <a:lvl4pPr marL="503926" indent="0">
+              <a:buNone/>
+              <a:defRPr sz="588" b="1"/>
             </a:lvl4pPr>
-            <a:lvl5pPr marL="864108" indent="0">
-              <a:buNone/>
-              <a:defRPr sz="756" b="1"/>
+            <a:lvl5pPr marL="671901" indent="0">
+              <a:buNone/>
+              <a:defRPr sz="588" b="1"/>
             </a:lvl5pPr>
-            <a:lvl6pPr marL="1080135" indent="0">
-              <a:buNone/>
-              <a:defRPr sz="756" b="1"/>
+            <a:lvl6pPr marL="839876" indent="0">
+              <a:buNone/>
+              <a:defRPr sz="588" b="1"/>
             </a:lvl6pPr>
-            <a:lvl7pPr marL="1296162" indent="0">
-              <a:buNone/>
-              <a:defRPr sz="756" b="1"/>
+            <a:lvl7pPr marL="1007852" indent="0">
+              <a:buNone/>
+              <a:defRPr sz="588" b="1"/>
             </a:lvl7pPr>
-            <a:lvl8pPr marL="1512189" indent="0">
-              <a:buNone/>
-              <a:defRPr sz="756" b="1"/>
+            <a:lvl8pPr marL="1175827" indent="0">
+              <a:buNone/>
+              <a:defRPr sz="588" b="1"/>
             </a:lvl8pPr>
-            <a:lvl9pPr marL="1728216" indent="0">
-              <a:buNone/>
-              <a:defRPr sz="756" b="1"/>
+            <a:lvl9pPr marL="1343802" indent="0">
+              <a:buNone/>
+              <a:defRPr sz="588" b="1"/>
             </a:lvl9pPr>
           </a:lstStyle>
           <a:p>
@@ -1424,8 +1424,8 @@
         </p:nvSpPr>
         <p:spPr>
           <a:xfrm>
-            <a:off x="669535" y="1183532"/>
-            <a:ext cx="4112126" cy="1740798"/>
+            <a:off x="495891" y="920267"/>
+            <a:ext cx="3045647" cy="1353575"/>
           </a:xfrm>
         </p:spPr>
         <p:txBody>
@@ -1481,8 +1481,8 @@
         </p:nvSpPr>
         <p:spPr>
           <a:xfrm>
-            <a:off x="4920883" y="794272"/>
-            <a:ext cx="4132378" cy="389260"/>
+            <a:off x="3644652" y="617594"/>
+            <a:ext cx="3060646" cy="302673"/>
           </a:xfrm>
         </p:spPr>
         <p:txBody>
@@ -1490,39 +1490,39 @@
           <a:lstStyle>
             <a:lvl1pPr marL="0" indent="0">
               <a:buNone/>
-              <a:defRPr sz="1134" b="1"/>
+              <a:defRPr sz="882" b="1"/>
             </a:lvl1pPr>
-            <a:lvl2pPr marL="216027" indent="0">
-              <a:buNone/>
-              <a:defRPr sz="945" b="1"/>
+            <a:lvl2pPr marL="167975" indent="0">
+              <a:buNone/>
+              <a:defRPr sz="735" b="1"/>
             </a:lvl2pPr>
-            <a:lvl3pPr marL="432054" indent="0">
-              <a:buNone/>
-              <a:defRPr sz="851" b="1"/>
+            <a:lvl3pPr marL="335951" indent="0">
+              <a:buNone/>
+              <a:defRPr sz="661" b="1"/>
             </a:lvl3pPr>
-            <a:lvl4pPr marL="648081" indent="0">
-              <a:buNone/>
-              <a:defRPr sz="756" b="1"/>
+            <a:lvl4pPr marL="503926" indent="0">
+              <a:buNone/>
+              <a:defRPr sz="588" b="1"/>
             </a:lvl4pPr>
-            <a:lvl5pPr marL="864108" indent="0">
-              <a:buNone/>
-              <a:defRPr sz="756" b="1"/>
+            <a:lvl5pPr marL="671901" indent="0">
+              <a:buNone/>
+              <a:defRPr sz="588" b="1"/>
             </a:lvl5pPr>
-            <a:lvl6pPr marL="1080135" indent="0">
-              <a:buNone/>
-              <a:defRPr sz="756" b="1"/>
+            <a:lvl6pPr marL="839876" indent="0">
+              <a:buNone/>
+              <a:defRPr sz="588" b="1"/>
             </a:lvl6pPr>
-            <a:lvl7pPr marL="1296162" indent="0">
-              <a:buNone/>
-              <a:defRPr sz="756" b="1"/>
+            <a:lvl7pPr marL="1007852" indent="0">
+              <a:buNone/>
+              <a:defRPr sz="588" b="1"/>
             </a:lvl7pPr>
-            <a:lvl8pPr marL="1512189" indent="0">
-              <a:buNone/>
-              <a:defRPr sz="756" b="1"/>
+            <a:lvl8pPr marL="1175827" indent="0">
+              <a:buNone/>
+              <a:defRPr sz="588" b="1"/>
             </a:lvl8pPr>
-            <a:lvl9pPr marL="1728216" indent="0">
-              <a:buNone/>
-              <a:defRPr sz="756" b="1"/>
+            <a:lvl9pPr marL="1343802" indent="0">
+              <a:buNone/>
+              <a:defRPr sz="588" b="1"/>
             </a:lvl9pPr>
           </a:lstStyle>
           <a:p>
@@ -1546,8 +1546,8 @@
         </p:nvSpPr>
         <p:spPr>
           <a:xfrm>
-            <a:off x="4920883" y="1183532"/>
-            <a:ext cx="4132378" cy="1740798"/>
+            <a:off x="3644652" y="920267"/>
+            <a:ext cx="3060646" cy="1353575"/>
           </a:xfrm>
         </p:spPr>
         <p:txBody>
@@ -1608,7 +1608,7 @@
           <a:p>
             <a:fld id="{D172C9BE-1BBC-41F8-BAF9-F4D743417021}" type="datetimeFigureOut">
               <a:rPr lang="de-DE" smtClean="0"/>
-              <a:t>06.08.2023</a:t>
+              <a:t>24.09.2024</a:t>
             </a:fld>
             <a:endParaRPr lang="de-DE"/>
           </a:p>
@@ -1659,7 +1659,7 @@
     </p:spTree>
     <p:extLst>
       <p:ext uri="{BB962C8B-B14F-4D97-AF65-F5344CB8AC3E}">
-        <p14:creationId xmlns:p14="http://schemas.microsoft.com/office/powerpoint/2010/main" val="2506568397"/>
+        <p14:creationId xmlns:p14="http://schemas.microsoft.com/office/powerpoint/2010/main" val="3523446594"/>
       </p:ext>
     </p:extLst>
   </p:cSld>
@@ -1726,7 +1726,7 @@
           <a:p>
             <a:fld id="{D172C9BE-1BBC-41F8-BAF9-F4D743417021}" type="datetimeFigureOut">
               <a:rPr lang="de-DE" smtClean="0"/>
-              <a:t>06.08.2023</a:t>
+              <a:t>24.09.2024</a:t>
             </a:fld>
             <a:endParaRPr lang="de-DE"/>
           </a:p>
@@ -1777,7 +1777,7 @@
     </p:spTree>
     <p:extLst>
       <p:ext uri="{BB962C8B-B14F-4D97-AF65-F5344CB8AC3E}">
-        <p14:creationId xmlns:p14="http://schemas.microsoft.com/office/powerpoint/2010/main" val="3708780030"/>
+        <p14:creationId xmlns:p14="http://schemas.microsoft.com/office/powerpoint/2010/main" val="3398949415"/>
       </p:ext>
     </p:extLst>
   </p:cSld>
@@ -1821,7 +1821,7 @@
           <a:p>
             <a:fld id="{D172C9BE-1BBC-41F8-BAF9-F4D743417021}" type="datetimeFigureOut">
               <a:rPr lang="de-DE" smtClean="0"/>
-              <a:t>06.08.2023</a:t>
+              <a:t>24.09.2024</a:t>
             </a:fld>
             <a:endParaRPr lang="de-DE"/>
           </a:p>
@@ -1872,7 +1872,7 @@
     </p:spTree>
     <p:extLst>
       <p:ext uri="{BB962C8B-B14F-4D97-AF65-F5344CB8AC3E}">
-        <p14:creationId xmlns:p14="http://schemas.microsoft.com/office/powerpoint/2010/main" val="3279968527"/>
+        <p14:creationId xmlns:p14="http://schemas.microsoft.com/office/powerpoint/2010/main" val="606789674"/>
       </p:ext>
     </p:extLst>
   </p:cSld>
@@ -1911,15 +1911,15 @@
         </p:nvSpPr>
         <p:spPr>
           <a:xfrm>
-            <a:off x="669534" y="216006"/>
-            <a:ext cx="3135038" cy="756021"/>
+            <a:off x="495891" y="167958"/>
+            <a:ext cx="2321966" cy="587851"/>
           </a:xfrm>
         </p:spPr>
         <p:txBody>
           <a:bodyPr anchor="b"/>
           <a:lstStyle>
             <a:lvl1pPr>
-              <a:defRPr sz="1512"/>
+              <a:defRPr sz="1176"/>
             </a:lvl1pPr>
           </a:lstStyle>
           <a:p>
@@ -1943,39 +1943,39 @@
         </p:nvSpPr>
         <p:spPr>
           <a:xfrm>
-            <a:off x="4132378" y="466513"/>
-            <a:ext cx="4920883" cy="2302563"/>
+            <a:off x="3060646" y="362742"/>
+            <a:ext cx="3644652" cy="1790381"/>
           </a:xfrm>
         </p:spPr>
         <p:txBody>
           <a:bodyPr/>
           <a:lstStyle>
             <a:lvl1pPr>
-              <a:defRPr sz="1512"/>
+              <a:defRPr sz="1176"/>
             </a:lvl1pPr>
             <a:lvl2pPr>
-              <a:defRPr sz="1323"/>
+              <a:defRPr sz="1029"/>
             </a:lvl2pPr>
             <a:lvl3pPr>
-              <a:defRPr sz="1134"/>
+              <a:defRPr sz="882"/>
             </a:lvl3pPr>
             <a:lvl4pPr>
-              <a:defRPr sz="945"/>
+              <a:defRPr sz="735"/>
             </a:lvl4pPr>
             <a:lvl5pPr>
-              <a:defRPr sz="945"/>
+              <a:defRPr sz="735"/>
             </a:lvl5pPr>
             <a:lvl6pPr>
-              <a:defRPr sz="945"/>
+              <a:defRPr sz="735"/>
             </a:lvl6pPr>
             <a:lvl7pPr>
-              <a:defRPr sz="945"/>
+              <a:defRPr sz="735"/>
             </a:lvl7pPr>
             <a:lvl8pPr>
-              <a:defRPr sz="945"/>
+              <a:defRPr sz="735"/>
             </a:lvl8pPr>
             <a:lvl9pPr>
-              <a:defRPr sz="945"/>
+              <a:defRPr sz="735"/>
             </a:lvl9pPr>
           </a:lstStyle>
           <a:p>
@@ -2028,8 +2028,8 @@
         </p:nvSpPr>
         <p:spPr>
           <a:xfrm>
-            <a:off x="669534" y="972026"/>
-            <a:ext cx="3135038" cy="1800799"/>
+            <a:off x="495891" y="755809"/>
+            <a:ext cx="2321966" cy="1400229"/>
           </a:xfrm>
         </p:spPr>
         <p:txBody>
@@ -2037,39 +2037,39 @@
           <a:lstStyle>
             <a:lvl1pPr marL="0" indent="0">
               <a:buNone/>
-              <a:defRPr sz="756"/>
+              <a:defRPr sz="588"/>
             </a:lvl1pPr>
-            <a:lvl2pPr marL="216027" indent="0">
-              <a:buNone/>
-              <a:defRPr sz="662"/>
+            <a:lvl2pPr marL="167975" indent="0">
+              <a:buNone/>
+              <a:defRPr sz="514"/>
             </a:lvl2pPr>
-            <a:lvl3pPr marL="432054" indent="0">
-              <a:buNone/>
-              <a:defRPr sz="567"/>
+            <a:lvl3pPr marL="335951" indent="0">
+              <a:buNone/>
+              <a:defRPr sz="441"/>
             </a:lvl3pPr>
-            <a:lvl4pPr marL="648081" indent="0">
-              <a:buNone/>
-              <a:defRPr sz="472"/>
+            <a:lvl4pPr marL="503926" indent="0">
+              <a:buNone/>
+              <a:defRPr sz="367"/>
             </a:lvl4pPr>
-            <a:lvl5pPr marL="864108" indent="0">
-              <a:buNone/>
-              <a:defRPr sz="472"/>
+            <a:lvl5pPr marL="671901" indent="0">
+              <a:buNone/>
+              <a:defRPr sz="367"/>
             </a:lvl5pPr>
-            <a:lvl6pPr marL="1080135" indent="0">
-              <a:buNone/>
-              <a:defRPr sz="472"/>
+            <a:lvl6pPr marL="839876" indent="0">
+              <a:buNone/>
+              <a:defRPr sz="367"/>
             </a:lvl6pPr>
-            <a:lvl7pPr marL="1296162" indent="0">
-              <a:buNone/>
-              <a:defRPr sz="472"/>
+            <a:lvl7pPr marL="1007852" indent="0">
+              <a:buNone/>
+              <a:defRPr sz="367"/>
             </a:lvl7pPr>
-            <a:lvl8pPr marL="1512189" indent="0">
-              <a:buNone/>
-              <a:defRPr sz="472"/>
+            <a:lvl8pPr marL="1175827" indent="0">
+              <a:buNone/>
+              <a:defRPr sz="367"/>
             </a:lvl8pPr>
-            <a:lvl9pPr marL="1728216" indent="0">
-              <a:buNone/>
-              <a:defRPr sz="472"/>
+            <a:lvl9pPr marL="1343802" indent="0">
+              <a:buNone/>
+              <a:defRPr sz="367"/>
             </a:lvl9pPr>
           </a:lstStyle>
           <a:p>
@@ -2098,7 +2098,7 @@
           <a:p>
             <a:fld id="{D172C9BE-1BBC-41F8-BAF9-F4D743417021}" type="datetimeFigureOut">
               <a:rPr lang="de-DE" smtClean="0"/>
-              <a:t>06.08.2023</a:t>
+              <a:t>24.09.2024</a:t>
             </a:fld>
             <a:endParaRPr lang="de-DE"/>
           </a:p>
@@ -2149,7 +2149,7 @@
     </p:spTree>
     <p:extLst>
       <p:ext uri="{BB962C8B-B14F-4D97-AF65-F5344CB8AC3E}">
-        <p14:creationId xmlns:p14="http://schemas.microsoft.com/office/powerpoint/2010/main" val="3123831948"/>
+        <p14:creationId xmlns:p14="http://schemas.microsoft.com/office/powerpoint/2010/main" val="3954356204"/>
       </p:ext>
     </p:extLst>
   </p:cSld>
@@ -2188,15 +2188,15 @@
         </p:nvSpPr>
         <p:spPr>
           <a:xfrm>
-            <a:off x="669534" y="216006"/>
-            <a:ext cx="3135038" cy="756021"/>
+            <a:off x="495891" y="167958"/>
+            <a:ext cx="2321966" cy="587851"/>
           </a:xfrm>
         </p:spPr>
         <p:txBody>
           <a:bodyPr anchor="b"/>
           <a:lstStyle>
             <a:lvl1pPr>
-              <a:defRPr sz="1512"/>
+              <a:defRPr sz="1176"/>
             </a:lvl1pPr>
           </a:lstStyle>
           <a:p>
@@ -2220,8 +2220,8 @@
         </p:nvSpPr>
         <p:spPr>
           <a:xfrm>
-            <a:off x="4132378" y="466513"/>
-            <a:ext cx="4920883" cy="2302563"/>
+            <a:off x="3060646" y="362742"/>
+            <a:ext cx="3644652" cy="1790381"/>
           </a:xfrm>
         </p:spPr>
         <p:txBody>
@@ -2229,39 +2229,39 @@
           <a:lstStyle>
             <a:lvl1pPr marL="0" indent="0">
               <a:buNone/>
-              <a:defRPr sz="1512"/>
+              <a:defRPr sz="1176"/>
             </a:lvl1pPr>
-            <a:lvl2pPr marL="216027" indent="0">
-              <a:buNone/>
-              <a:defRPr sz="1323"/>
+            <a:lvl2pPr marL="167975" indent="0">
+              <a:buNone/>
+              <a:defRPr sz="1029"/>
             </a:lvl2pPr>
-            <a:lvl3pPr marL="432054" indent="0">
-              <a:buNone/>
-              <a:defRPr sz="1134"/>
+            <a:lvl3pPr marL="335951" indent="0">
+              <a:buNone/>
+              <a:defRPr sz="882"/>
             </a:lvl3pPr>
-            <a:lvl4pPr marL="648081" indent="0">
-              <a:buNone/>
-              <a:defRPr sz="945"/>
+            <a:lvl4pPr marL="503926" indent="0">
+              <a:buNone/>
+              <a:defRPr sz="735"/>
             </a:lvl4pPr>
-            <a:lvl5pPr marL="864108" indent="0">
-              <a:buNone/>
-              <a:defRPr sz="945"/>
+            <a:lvl5pPr marL="671901" indent="0">
+              <a:buNone/>
+              <a:defRPr sz="735"/>
             </a:lvl5pPr>
-            <a:lvl6pPr marL="1080135" indent="0">
-              <a:buNone/>
-              <a:defRPr sz="945"/>
+            <a:lvl6pPr marL="839876" indent="0">
+              <a:buNone/>
+              <a:defRPr sz="735"/>
             </a:lvl6pPr>
-            <a:lvl7pPr marL="1296162" indent="0">
-              <a:buNone/>
-              <a:defRPr sz="945"/>
+            <a:lvl7pPr marL="1007852" indent="0">
+              <a:buNone/>
+              <a:defRPr sz="735"/>
             </a:lvl7pPr>
-            <a:lvl8pPr marL="1512189" indent="0">
-              <a:buNone/>
-              <a:defRPr sz="945"/>
+            <a:lvl8pPr marL="1175827" indent="0">
+              <a:buNone/>
+              <a:defRPr sz="735"/>
             </a:lvl8pPr>
-            <a:lvl9pPr marL="1728216" indent="0">
-              <a:buNone/>
-              <a:defRPr sz="945"/>
+            <a:lvl9pPr marL="1343802" indent="0">
+              <a:buNone/>
+              <a:defRPr sz="735"/>
             </a:lvl9pPr>
           </a:lstStyle>
           <a:p>
@@ -2285,8 +2285,8 @@
         </p:nvSpPr>
         <p:spPr>
           <a:xfrm>
-            <a:off x="669534" y="972026"/>
-            <a:ext cx="3135038" cy="1800799"/>
+            <a:off x="495891" y="755809"/>
+            <a:ext cx="2321966" cy="1400229"/>
           </a:xfrm>
         </p:spPr>
         <p:txBody>
@@ -2294,39 +2294,39 @@
           <a:lstStyle>
             <a:lvl1pPr marL="0" indent="0">
               <a:buNone/>
-              <a:defRPr sz="756"/>
+              <a:defRPr sz="588"/>
             </a:lvl1pPr>
-            <a:lvl2pPr marL="216027" indent="0">
-              <a:buNone/>
-              <a:defRPr sz="662"/>
+            <a:lvl2pPr marL="167975" indent="0">
+              <a:buNone/>
+              <a:defRPr sz="514"/>
             </a:lvl2pPr>
-            <a:lvl3pPr marL="432054" indent="0">
-              <a:buNone/>
-              <a:defRPr sz="567"/>
+            <a:lvl3pPr marL="335951" indent="0">
+              <a:buNone/>
+              <a:defRPr sz="441"/>
             </a:lvl3pPr>
-            <a:lvl4pPr marL="648081" indent="0">
-              <a:buNone/>
-              <a:defRPr sz="472"/>
+            <a:lvl4pPr marL="503926" indent="0">
+              <a:buNone/>
+              <a:defRPr sz="367"/>
             </a:lvl4pPr>
-            <a:lvl5pPr marL="864108" indent="0">
-              <a:buNone/>
-              <a:defRPr sz="472"/>
+            <a:lvl5pPr marL="671901" indent="0">
+              <a:buNone/>
+              <a:defRPr sz="367"/>
             </a:lvl5pPr>
-            <a:lvl6pPr marL="1080135" indent="0">
-              <a:buNone/>
-              <a:defRPr sz="472"/>
+            <a:lvl6pPr marL="839876" indent="0">
+              <a:buNone/>
+              <a:defRPr sz="367"/>
             </a:lvl6pPr>
-            <a:lvl7pPr marL="1296162" indent="0">
-              <a:buNone/>
-              <a:defRPr sz="472"/>
+            <a:lvl7pPr marL="1007852" indent="0">
+              <a:buNone/>
+              <a:defRPr sz="367"/>
             </a:lvl7pPr>
-            <a:lvl8pPr marL="1512189" indent="0">
-              <a:buNone/>
-              <a:defRPr sz="472"/>
+            <a:lvl8pPr marL="1175827" indent="0">
+              <a:buNone/>
+              <a:defRPr sz="367"/>
             </a:lvl8pPr>
-            <a:lvl9pPr marL="1728216" indent="0">
-              <a:buNone/>
-              <a:defRPr sz="472"/>
+            <a:lvl9pPr marL="1343802" indent="0">
+              <a:buNone/>
+              <a:defRPr sz="367"/>
             </a:lvl9pPr>
           </a:lstStyle>
           <a:p>
@@ -2355,7 +2355,7 @@
           <a:p>
             <a:fld id="{D172C9BE-1BBC-41F8-BAF9-F4D743417021}" type="datetimeFigureOut">
               <a:rPr lang="de-DE" smtClean="0"/>
-              <a:t>06.08.2023</a:t>
+              <a:t>24.09.2024</a:t>
             </a:fld>
             <a:endParaRPr lang="de-DE"/>
           </a:p>
@@ -2406,7 +2406,7 @@
     </p:spTree>
     <p:extLst>
       <p:ext uri="{BB962C8B-B14F-4D97-AF65-F5344CB8AC3E}">
-        <p14:creationId xmlns:p14="http://schemas.microsoft.com/office/powerpoint/2010/main" val="3617566449"/>
+        <p14:creationId xmlns:p14="http://schemas.microsoft.com/office/powerpoint/2010/main" val="901787584"/>
       </p:ext>
     </p:extLst>
   </p:cSld>
@@ -2450,8 +2450,8 @@
         </p:nvSpPr>
         <p:spPr>
           <a:xfrm>
-            <a:off x="668268" y="172505"/>
-            <a:ext cx="8383727" cy="626267"/>
+            <a:off x="494953" y="134133"/>
+            <a:ext cx="6209407" cy="486960"/>
           </a:xfrm>
           <a:prstGeom prst="rect">
             <a:avLst/>
@@ -2483,8 +2483,8 @@
         </p:nvSpPr>
         <p:spPr>
           <a:xfrm>
-            <a:off x="668268" y="862523"/>
-            <a:ext cx="8383727" cy="2055806"/>
+            <a:off x="494953" y="670664"/>
+            <a:ext cx="6209407" cy="1598513"/>
           </a:xfrm>
           <a:prstGeom prst="rect">
             <a:avLst/>
@@ -2545,8 +2545,8 @@
         </p:nvSpPr>
         <p:spPr>
           <a:xfrm>
-            <a:off x="668268" y="3003082"/>
-            <a:ext cx="2187059" cy="172505"/>
+            <a:off x="494953" y="2335076"/>
+            <a:ext cx="1619845" cy="134133"/>
           </a:xfrm>
           <a:prstGeom prst="rect">
             <a:avLst/>
@@ -2556,7 +2556,7 @@
           <a:bodyPr vert="horz" lIns="91440" tIns="45720" rIns="91440" bIns="45720" rtlCol="0" anchor="ctr"/>
           <a:lstStyle>
             <a:lvl1pPr algn="l">
-              <a:defRPr sz="567">
+              <a:defRPr sz="441">
                 <a:solidFill>
                   <a:schemeClr val="tx1">
                     <a:tint val="75000"/>
@@ -2568,7 +2568,7 @@
           <a:p>
             <a:fld id="{D172C9BE-1BBC-41F8-BAF9-F4D743417021}" type="datetimeFigureOut">
               <a:rPr lang="de-DE" smtClean="0"/>
-              <a:t>06.08.2023</a:t>
+              <a:t>24.09.2024</a:t>
             </a:fld>
             <a:endParaRPr lang="de-DE"/>
           </a:p>
@@ -2586,8 +2586,8 @@
         </p:nvSpPr>
         <p:spPr>
           <a:xfrm>
-            <a:off x="3219837" y="3003082"/>
-            <a:ext cx="3280589" cy="172505"/>
+            <a:off x="2384773" y="2335076"/>
+            <a:ext cx="2429768" cy="134133"/>
           </a:xfrm>
           <a:prstGeom prst="rect">
             <a:avLst/>
@@ -2597,7 +2597,7 @@
           <a:bodyPr vert="horz" lIns="91440" tIns="45720" rIns="91440" bIns="45720" rtlCol="0" anchor="ctr"/>
           <a:lstStyle>
             <a:lvl1pPr algn="ctr">
-              <a:defRPr sz="567">
+              <a:defRPr sz="441">
                 <a:solidFill>
                   <a:schemeClr val="tx1">
                     <a:tint val="75000"/>
@@ -2623,8 +2623,8 @@
         </p:nvSpPr>
         <p:spPr>
           <a:xfrm>
-            <a:off x="6864936" y="3003082"/>
-            <a:ext cx="2187059" cy="172505"/>
+            <a:off x="5084515" y="2335076"/>
+            <a:ext cx="1619845" cy="134133"/>
           </a:xfrm>
           <a:prstGeom prst="rect">
             <a:avLst/>
@@ -2634,7 +2634,7 @@
           <a:bodyPr vert="horz" lIns="91440" tIns="45720" rIns="91440" bIns="45720" rtlCol="0" anchor="ctr"/>
           <a:lstStyle>
             <a:lvl1pPr algn="r">
-              <a:defRPr sz="567">
+              <a:defRPr sz="441">
                 <a:solidFill>
                   <a:schemeClr val="tx1">
                     <a:tint val="75000"/>
@@ -2655,27 +2655,27 @@
     </p:spTree>
     <p:extLst>
       <p:ext uri="{BB962C8B-B14F-4D97-AF65-F5344CB8AC3E}">
-        <p14:creationId xmlns:p14="http://schemas.microsoft.com/office/powerpoint/2010/main" val="2948935098"/>
+        <p14:creationId xmlns:p14="http://schemas.microsoft.com/office/powerpoint/2010/main" val="3036252853"/>
       </p:ext>
     </p:extLst>
   </p:cSld>
   <p:clrMap bg1="lt1" tx1="dk1" bg2="lt2" tx2="dk2" accent1="accent1" accent2="accent2" accent3="accent3" accent4="accent4" accent5="accent5" accent6="accent6" hlink="hlink" folHlink="folHlink"/>
   <p:sldLayoutIdLst>
-    <p:sldLayoutId id="2147483697" r:id="rId1"/>
-    <p:sldLayoutId id="2147483698" r:id="rId2"/>
-    <p:sldLayoutId id="2147483699" r:id="rId3"/>
-    <p:sldLayoutId id="2147483700" r:id="rId4"/>
-    <p:sldLayoutId id="2147483701" r:id="rId5"/>
-    <p:sldLayoutId id="2147483702" r:id="rId6"/>
-    <p:sldLayoutId id="2147483703" r:id="rId7"/>
-    <p:sldLayoutId id="2147483704" r:id="rId8"/>
-    <p:sldLayoutId id="2147483705" r:id="rId9"/>
-    <p:sldLayoutId id="2147483706" r:id="rId10"/>
-    <p:sldLayoutId id="2147483707" r:id="rId11"/>
+    <p:sldLayoutId id="2147483721" r:id="rId1"/>
+    <p:sldLayoutId id="2147483722" r:id="rId2"/>
+    <p:sldLayoutId id="2147483723" r:id="rId3"/>
+    <p:sldLayoutId id="2147483724" r:id="rId4"/>
+    <p:sldLayoutId id="2147483725" r:id="rId5"/>
+    <p:sldLayoutId id="2147483726" r:id="rId6"/>
+    <p:sldLayoutId id="2147483727" r:id="rId7"/>
+    <p:sldLayoutId id="2147483728" r:id="rId8"/>
+    <p:sldLayoutId id="2147483729" r:id="rId9"/>
+    <p:sldLayoutId id="2147483730" r:id="rId10"/>
+    <p:sldLayoutId id="2147483731" r:id="rId11"/>
   </p:sldLayoutIdLst>
   <p:txStyles>
     <p:titleStyle>
-      <a:lvl1pPr algn="l" defTabSz="432054" rtl="0" eaLnBrk="1" latinLnBrk="0" hangingPunct="1">
+      <a:lvl1pPr algn="l" defTabSz="335951" rtl="0" eaLnBrk="1" latinLnBrk="0" hangingPunct="1">
         <a:lnSpc>
           <a:spcPct val="90000"/>
         </a:lnSpc>
@@ -2683,7 +2683,7 @@
           <a:spcPct val="0"/>
         </a:spcBef>
         <a:buNone/>
-        <a:defRPr sz="2079" kern="1200">
+        <a:defRPr sz="1617" kern="1200">
           <a:solidFill>
             <a:schemeClr val="tx1"/>
           </a:solidFill>
@@ -2694,16 +2694,16 @@
       </a:lvl1pPr>
     </p:titleStyle>
     <p:bodyStyle>
-      <a:lvl1pPr marL="108014" indent="-108014" algn="l" defTabSz="432054" rtl="0" eaLnBrk="1" latinLnBrk="0" hangingPunct="1">
+      <a:lvl1pPr marL="83988" indent="-83988" algn="l" defTabSz="335951" rtl="0" eaLnBrk="1" latinLnBrk="0" hangingPunct="1">
         <a:lnSpc>
           <a:spcPct val="90000"/>
         </a:lnSpc>
         <a:spcBef>
-          <a:spcPts val="472"/>
+          <a:spcPts val="367"/>
         </a:spcBef>
         <a:buFont typeface="Arial" panose="020B0604020202020204" pitchFamily="34" charset="0"/>
         <a:buChar char="•"/>
-        <a:defRPr sz="1323" kern="1200">
+        <a:defRPr sz="1029" kern="1200">
           <a:solidFill>
             <a:schemeClr val="tx1"/>
           </a:solidFill>
@@ -2712,16 +2712,16 @@
           <a:cs typeface="+mn-cs"/>
         </a:defRPr>
       </a:lvl1pPr>
-      <a:lvl2pPr marL="324041" indent="-108014" algn="l" defTabSz="432054" rtl="0" eaLnBrk="1" latinLnBrk="0" hangingPunct="1">
+      <a:lvl2pPr marL="251963" indent="-83988" algn="l" defTabSz="335951" rtl="0" eaLnBrk="1" latinLnBrk="0" hangingPunct="1">
         <a:lnSpc>
           <a:spcPct val="90000"/>
         </a:lnSpc>
         <a:spcBef>
-          <a:spcPts val="236"/>
+          <a:spcPts val="184"/>
         </a:spcBef>
         <a:buFont typeface="Arial" panose="020B0604020202020204" pitchFamily="34" charset="0"/>
         <a:buChar char="•"/>
-        <a:defRPr sz="1134" kern="1200">
+        <a:defRPr sz="882" kern="1200">
           <a:solidFill>
             <a:schemeClr val="tx1"/>
           </a:solidFill>
@@ -2730,16 +2730,16 @@
           <a:cs typeface="+mn-cs"/>
         </a:defRPr>
       </a:lvl2pPr>
-      <a:lvl3pPr marL="540068" indent="-108014" algn="l" defTabSz="432054" rtl="0" eaLnBrk="1" latinLnBrk="0" hangingPunct="1">
+      <a:lvl3pPr marL="419938" indent="-83988" algn="l" defTabSz="335951" rtl="0" eaLnBrk="1" latinLnBrk="0" hangingPunct="1">
         <a:lnSpc>
           <a:spcPct val="90000"/>
         </a:lnSpc>
         <a:spcBef>
-          <a:spcPts val="236"/>
+          <a:spcPts val="184"/>
         </a:spcBef>
         <a:buFont typeface="Arial" panose="020B0604020202020204" pitchFamily="34" charset="0"/>
         <a:buChar char="•"/>
-        <a:defRPr sz="945" kern="1200">
+        <a:defRPr sz="735" kern="1200">
           <a:solidFill>
             <a:schemeClr val="tx1"/>
           </a:solidFill>
@@ -2748,16 +2748,16 @@
           <a:cs typeface="+mn-cs"/>
         </a:defRPr>
       </a:lvl3pPr>
-      <a:lvl4pPr marL="756095" indent="-108014" algn="l" defTabSz="432054" rtl="0" eaLnBrk="1" latinLnBrk="0" hangingPunct="1">
+      <a:lvl4pPr marL="587913" indent="-83988" algn="l" defTabSz="335951" rtl="0" eaLnBrk="1" latinLnBrk="0" hangingPunct="1">
         <a:lnSpc>
           <a:spcPct val="90000"/>
         </a:lnSpc>
         <a:spcBef>
-          <a:spcPts val="236"/>
+          <a:spcPts val="184"/>
         </a:spcBef>
         <a:buFont typeface="Arial" panose="020B0604020202020204" pitchFamily="34" charset="0"/>
         <a:buChar char="•"/>
-        <a:defRPr sz="851" kern="1200">
+        <a:defRPr sz="661" kern="1200">
           <a:solidFill>
             <a:schemeClr val="tx1"/>
           </a:solidFill>
@@ -2766,16 +2766,16 @@
           <a:cs typeface="+mn-cs"/>
         </a:defRPr>
       </a:lvl4pPr>
-      <a:lvl5pPr marL="972122" indent="-108014" algn="l" defTabSz="432054" rtl="0" eaLnBrk="1" latinLnBrk="0" hangingPunct="1">
+      <a:lvl5pPr marL="755889" indent="-83988" algn="l" defTabSz="335951" rtl="0" eaLnBrk="1" latinLnBrk="0" hangingPunct="1">
         <a:lnSpc>
           <a:spcPct val="90000"/>
         </a:lnSpc>
         <a:spcBef>
-          <a:spcPts val="236"/>
+          <a:spcPts val="184"/>
         </a:spcBef>
         <a:buFont typeface="Arial" panose="020B0604020202020204" pitchFamily="34" charset="0"/>
         <a:buChar char="•"/>
-        <a:defRPr sz="851" kern="1200">
+        <a:defRPr sz="661" kern="1200">
           <a:solidFill>
             <a:schemeClr val="tx1"/>
           </a:solidFill>
@@ -2784,16 +2784,16 @@
           <a:cs typeface="+mn-cs"/>
         </a:defRPr>
       </a:lvl5pPr>
-      <a:lvl6pPr marL="1188149" indent="-108014" algn="l" defTabSz="432054" rtl="0" eaLnBrk="1" latinLnBrk="0" hangingPunct="1">
+      <a:lvl6pPr marL="923864" indent="-83988" algn="l" defTabSz="335951" rtl="0" eaLnBrk="1" latinLnBrk="0" hangingPunct="1">
         <a:lnSpc>
           <a:spcPct val="90000"/>
         </a:lnSpc>
         <a:spcBef>
-          <a:spcPts val="236"/>
+          <a:spcPts val="184"/>
         </a:spcBef>
         <a:buFont typeface="Arial" panose="020B0604020202020204" pitchFamily="34" charset="0"/>
         <a:buChar char="•"/>
-        <a:defRPr sz="851" kern="1200">
+        <a:defRPr sz="661" kern="1200">
           <a:solidFill>
             <a:schemeClr val="tx1"/>
           </a:solidFill>
@@ -2802,16 +2802,16 @@
           <a:cs typeface="+mn-cs"/>
         </a:defRPr>
       </a:lvl6pPr>
-      <a:lvl7pPr marL="1404176" indent="-108014" algn="l" defTabSz="432054" rtl="0" eaLnBrk="1" latinLnBrk="0" hangingPunct="1">
+      <a:lvl7pPr marL="1091839" indent="-83988" algn="l" defTabSz="335951" rtl="0" eaLnBrk="1" latinLnBrk="0" hangingPunct="1">
         <a:lnSpc>
           <a:spcPct val="90000"/>
         </a:lnSpc>
         <a:spcBef>
-          <a:spcPts val="236"/>
+          <a:spcPts val="184"/>
         </a:spcBef>
         <a:buFont typeface="Arial" panose="020B0604020202020204" pitchFamily="34" charset="0"/>
         <a:buChar char="•"/>
-        <a:defRPr sz="851" kern="1200">
+        <a:defRPr sz="661" kern="1200">
           <a:solidFill>
             <a:schemeClr val="tx1"/>
           </a:solidFill>
@@ -2820,16 +2820,16 @@
           <a:cs typeface="+mn-cs"/>
         </a:defRPr>
       </a:lvl7pPr>
-      <a:lvl8pPr marL="1620203" indent="-108014" algn="l" defTabSz="432054" rtl="0" eaLnBrk="1" latinLnBrk="0" hangingPunct="1">
+      <a:lvl8pPr marL="1259815" indent="-83988" algn="l" defTabSz="335951" rtl="0" eaLnBrk="1" latinLnBrk="0" hangingPunct="1">
         <a:lnSpc>
           <a:spcPct val="90000"/>
         </a:lnSpc>
         <a:spcBef>
-          <a:spcPts val="236"/>
+          <a:spcPts val="184"/>
         </a:spcBef>
         <a:buFont typeface="Arial" panose="020B0604020202020204" pitchFamily="34" charset="0"/>
         <a:buChar char="•"/>
-        <a:defRPr sz="851" kern="1200">
+        <a:defRPr sz="661" kern="1200">
           <a:solidFill>
             <a:schemeClr val="tx1"/>
           </a:solidFill>
@@ -2838,16 +2838,16 @@
           <a:cs typeface="+mn-cs"/>
         </a:defRPr>
       </a:lvl8pPr>
-      <a:lvl9pPr marL="1836230" indent="-108014" algn="l" defTabSz="432054" rtl="0" eaLnBrk="1" latinLnBrk="0" hangingPunct="1">
+      <a:lvl9pPr marL="1427790" indent="-83988" algn="l" defTabSz="335951" rtl="0" eaLnBrk="1" latinLnBrk="0" hangingPunct="1">
         <a:lnSpc>
           <a:spcPct val="90000"/>
         </a:lnSpc>
         <a:spcBef>
-          <a:spcPts val="236"/>
+          <a:spcPts val="184"/>
         </a:spcBef>
         <a:buFont typeface="Arial" panose="020B0604020202020204" pitchFamily="34" charset="0"/>
         <a:buChar char="•"/>
-        <a:defRPr sz="851" kern="1200">
+        <a:defRPr sz="661" kern="1200">
           <a:solidFill>
             <a:schemeClr val="tx1"/>
           </a:solidFill>
@@ -2861,8 +2861,8 @@
       <a:defPPr>
         <a:defRPr lang="en-US"/>
       </a:defPPr>
-      <a:lvl1pPr marL="0" algn="l" defTabSz="432054" rtl="0" eaLnBrk="1" latinLnBrk="0" hangingPunct="1">
-        <a:defRPr sz="851" kern="1200">
+      <a:lvl1pPr marL="0" algn="l" defTabSz="335951" rtl="0" eaLnBrk="1" latinLnBrk="0" hangingPunct="1">
+        <a:defRPr sz="661" kern="1200">
           <a:solidFill>
             <a:schemeClr val="tx1"/>
           </a:solidFill>
@@ -2871,8 +2871,8 @@
           <a:cs typeface="+mn-cs"/>
         </a:defRPr>
       </a:lvl1pPr>
-      <a:lvl2pPr marL="216027" algn="l" defTabSz="432054" rtl="0" eaLnBrk="1" latinLnBrk="0" hangingPunct="1">
-        <a:defRPr sz="851" kern="1200">
+      <a:lvl2pPr marL="167975" algn="l" defTabSz="335951" rtl="0" eaLnBrk="1" latinLnBrk="0" hangingPunct="1">
+        <a:defRPr sz="661" kern="1200">
           <a:solidFill>
             <a:schemeClr val="tx1"/>
           </a:solidFill>
@@ -2881,8 +2881,8 @@
           <a:cs typeface="+mn-cs"/>
         </a:defRPr>
       </a:lvl2pPr>
-      <a:lvl3pPr marL="432054" algn="l" defTabSz="432054" rtl="0" eaLnBrk="1" latinLnBrk="0" hangingPunct="1">
-        <a:defRPr sz="851" kern="1200">
+      <a:lvl3pPr marL="335951" algn="l" defTabSz="335951" rtl="0" eaLnBrk="1" latinLnBrk="0" hangingPunct="1">
+        <a:defRPr sz="661" kern="1200">
           <a:solidFill>
             <a:schemeClr val="tx1"/>
           </a:solidFill>
@@ -2891,8 +2891,8 @@
           <a:cs typeface="+mn-cs"/>
         </a:defRPr>
       </a:lvl3pPr>
-      <a:lvl4pPr marL="648081" algn="l" defTabSz="432054" rtl="0" eaLnBrk="1" latinLnBrk="0" hangingPunct="1">
-        <a:defRPr sz="851" kern="1200">
+      <a:lvl4pPr marL="503926" algn="l" defTabSz="335951" rtl="0" eaLnBrk="1" latinLnBrk="0" hangingPunct="1">
+        <a:defRPr sz="661" kern="1200">
           <a:solidFill>
             <a:schemeClr val="tx1"/>
           </a:solidFill>
@@ -2901,8 +2901,8 @@
           <a:cs typeface="+mn-cs"/>
         </a:defRPr>
       </a:lvl4pPr>
-      <a:lvl5pPr marL="864108" algn="l" defTabSz="432054" rtl="0" eaLnBrk="1" latinLnBrk="0" hangingPunct="1">
-        <a:defRPr sz="851" kern="1200">
+      <a:lvl5pPr marL="671901" algn="l" defTabSz="335951" rtl="0" eaLnBrk="1" latinLnBrk="0" hangingPunct="1">
+        <a:defRPr sz="661" kern="1200">
           <a:solidFill>
             <a:schemeClr val="tx1"/>
           </a:solidFill>
@@ -2911,8 +2911,8 @@
           <a:cs typeface="+mn-cs"/>
         </a:defRPr>
       </a:lvl5pPr>
-      <a:lvl6pPr marL="1080135" algn="l" defTabSz="432054" rtl="0" eaLnBrk="1" latinLnBrk="0" hangingPunct="1">
-        <a:defRPr sz="851" kern="1200">
+      <a:lvl6pPr marL="839876" algn="l" defTabSz="335951" rtl="0" eaLnBrk="1" latinLnBrk="0" hangingPunct="1">
+        <a:defRPr sz="661" kern="1200">
           <a:solidFill>
             <a:schemeClr val="tx1"/>
           </a:solidFill>
@@ -2921,8 +2921,8 @@
           <a:cs typeface="+mn-cs"/>
         </a:defRPr>
       </a:lvl6pPr>
-      <a:lvl7pPr marL="1296162" algn="l" defTabSz="432054" rtl="0" eaLnBrk="1" latinLnBrk="0" hangingPunct="1">
-        <a:defRPr sz="851" kern="1200">
+      <a:lvl7pPr marL="1007852" algn="l" defTabSz="335951" rtl="0" eaLnBrk="1" latinLnBrk="0" hangingPunct="1">
+        <a:defRPr sz="661" kern="1200">
           <a:solidFill>
             <a:schemeClr val="tx1"/>
           </a:solidFill>
@@ -2931,8 +2931,8 @@
           <a:cs typeface="+mn-cs"/>
         </a:defRPr>
       </a:lvl7pPr>
-      <a:lvl8pPr marL="1512189" algn="l" defTabSz="432054" rtl="0" eaLnBrk="1" latinLnBrk="0" hangingPunct="1">
-        <a:defRPr sz="851" kern="1200">
+      <a:lvl8pPr marL="1175827" algn="l" defTabSz="335951" rtl="0" eaLnBrk="1" latinLnBrk="0" hangingPunct="1">
+        <a:defRPr sz="661" kern="1200">
           <a:solidFill>
             <a:schemeClr val="tx1"/>
           </a:solidFill>
@@ -2941,8 +2941,8 @@
           <a:cs typeface="+mn-cs"/>
         </a:defRPr>
       </a:lvl8pPr>
-      <a:lvl9pPr marL="1728216" algn="l" defTabSz="432054" rtl="0" eaLnBrk="1" latinLnBrk="0" hangingPunct="1">
-        <a:defRPr sz="851" kern="1200">
+      <a:lvl9pPr marL="1343802" algn="l" defTabSz="335951" rtl="0" eaLnBrk="1" latinLnBrk="0" hangingPunct="1">
+        <a:defRPr sz="661" kern="1200">
           <a:solidFill>
             <a:schemeClr val="tx1"/>
           </a:solidFill>
@@ -2975,10 +2975,10 @@
       </p:grpSpPr>
       <p:grpSp>
         <p:nvGrpSpPr>
-          <p:cNvPr id="46" name="Gruppieren 45">
+          <p:cNvPr id="3" name="Gruppieren 2">
             <a:extLst>
               <a:ext uri="{FF2B5EF4-FFF2-40B4-BE49-F238E27FC236}">
-                <a16:creationId xmlns:a16="http://schemas.microsoft.com/office/drawing/2014/main" id="{48A5178E-2677-471A-98ED-0F4AA786B669}"/>
+                <a16:creationId xmlns:a16="http://schemas.microsoft.com/office/drawing/2014/main" id="{726B0790-8DC5-CDB4-56D8-6B0B1ED3E4AC}"/>
               </a:ext>
             </a:extLst>
           </p:cNvPr>
@@ -2987,233 +2987,68 @@
         </p:nvGrpSpPr>
         <p:grpSpPr>
           <a:xfrm>
-            <a:off x="3708228" y="756204"/>
-            <a:ext cx="2467762" cy="2206305"/>
-            <a:chOff x="214620" y="2569127"/>
-            <a:chExt cx="2467762" cy="2206305"/>
+            <a:off x="37393" y="72159"/>
+            <a:ext cx="6940272" cy="2202214"/>
+            <a:chOff x="57788" y="231945"/>
+            <a:chExt cx="6940272" cy="2202214"/>
           </a:xfrm>
         </p:grpSpPr>
-        <p:grpSp>
-          <p:nvGrpSpPr>
-            <p:cNvPr id="11" name="Gruppieren 10">
+        <p:sp>
+          <p:nvSpPr>
+            <p:cNvPr id="12" name="Ellipse 11">
               <a:extLst>
                 <a:ext uri="{FF2B5EF4-FFF2-40B4-BE49-F238E27FC236}">
-                  <a16:creationId xmlns:a16="http://schemas.microsoft.com/office/drawing/2014/main" id="{FC8C0F19-1C8C-4A0F-B2C7-BEFEE73B9E98}"/>
+                  <a16:creationId xmlns:a16="http://schemas.microsoft.com/office/drawing/2014/main" id="{ACBF0E37-4429-478F-9FAE-06E8D8E44FCB}"/>
                 </a:ext>
               </a:extLst>
             </p:cNvPr>
-            <p:cNvGrpSpPr/>
-            <p:nvPr/>
-          </p:nvGrpSpPr>
-          <p:grpSpPr>
-            <a:xfrm>
-              <a:off x="214620" y="2569127"/>
-              <a:ext cx="2467762" cy="2206305"/>
-              <a:chOff x="6588152" y="2569128"/>
-              <a:chExt cx="2467762" cy="2206305"/>
-            </a:xfrm>
-          </p:grpSpPr>
-          <p:sp>
-            <p:nvSpPr>
-              <p:cNvPr id="12" name="Ellipse 11">
-                <a:extLst>
-                  <a:ext uri="{FF2B5EF4-FFF2-40B4-BE49-F238E27FC236}">
-                    <a16:creationId xmlns:a16="http://schemas.microsoft.com/office/drawing/2014/main" id="{ACBF0E37-4429-478F-9FAE-06E8D8E44FCB}"/>
-                  </a:ext>
-                </a:extLst>
-              </p:cNvPr>
-              <p:cNvSpPr/>
-              <p:nvPr/>
-            </p:nvSpPr>
-            <p:spPr>
-              <a:xfrm>
-                <a:off x="6588152" y="2569128"/>
-                <a:ext cx="1107347" cy="2206305"/>
-              </a:xfrm>
-              <a:prstGeom prst="ellipse">
-                <a:avLst/>
-              </a:prstGeom>
-              <a:solidFill>
-                <a:schemeClr val="bg1"/>
-              </a:solidFill>
-              <a:ln w="12700">
-                <a:solidFill>
-                  <a:schemeClr val="tx1"/>
-                </a:solidFill>
-              </a:ln>
-            </p:spPr>
-            <p:style>
-              <a:lnRef idx="2">
-                <a:schemeClr val="accent1">
-                  <a:shade val="50000"/>
-                </a:schemeClr>
-              </a:lnRef>
-              <a:fillRef idx="1">
-                <a:schemeClr val="accent1"/>
-              </a:fillRef>
-              <a:effectRef idx="0">
-                <a:schemeClr val="accent1"/>
-              </a:effectRef>
-              <a:fontRef idx="minor">
-                <a:schemeClr val="lt1"/>
-              </a:fontRef>
-            </p:style>
-            <p:txBody>
-              <a:bodyPr rot="0" spcFirstLastPara="0" vertOverflow="overflow" horzOverflow="overflow" vert="horz" wrap="square" lIns="91440" tIns="45720" rIns="91440" bIns="45720" numCol="1" spcCol="0" rtlCol="0" fromWordArt="0" anchor="ctr" anchorCtr="0" forceAA="0" compatLnSpc="1">
-                <a:prstTxWarp prst="textNoShape">
-                  <a:avLst/>
-                </a:prstTxWarp>
-                <a:noAutofit/>
-              </a:bodyPr>
-              <a:lstStyle/>
-              <a:p>
-                <a:pPr algn="ctr"/>
-                <a:endParaRPr lang="de-DE">
-                  <a:latin typeface="CMU Sans Serif" panose="02000603000000000000" pitchFamily="2" charset="0"/>
-                  <a:ea typeface="CMU Sans Serif" panose="02000603000000000000" pitchFamily="2" charset="0"/>
-                  <a:cs typeface="CMU Sans Serif" panose="02000603000000000000" pitchFamily="2" charset="0"/>
-                </a:endParaRPr>
-              </a:p>
-            </p:txBody>
-          </p:sp>
-          <p:sp>
-            <p:nvSpPr>
-              <p:cNvPr id="13" name="Ellipse 12">
-                <a:extLst>
-                  <a:ext uri="{FF2B5EF4-FFF2-40B4-BE49-F238E27FC236}">
-                    <a16:creationId xmlns:a16="http://schemas.microsoft.com/office/drawing/2014/main" id="{F51594ED-A88B-4746-908A-36C3FAD35B60}"/>
-                  </a:ext>
-                </a:extLst>
-              </p:cNvPr>
-              <p:cNvSpPr/>
-              <p:nvPr/>
-            </p:nvSpPr>
-            <p:spPr>
-              <a:xfrm>
-                <a:off x="7948567" y="2569128"/>
-                <a:ext cx="1107347" cy="2206305"/>
-              </a:xfrm>
-              <a:prstGeom prst="ellipse">
-                <a:avLst/>
-              </a:prstGeom>
-              <a:solidFill>
-                <a:schemeClr val="bg1"/>
-              </a:solidFill>
-              <a:ln w="12700">
-                <a:solidFill>
-                  <a:schemeClr val="tx1"/>
-                </a:solidFill>
-              </a:ln>
-            </p:spPr>
-            <p:style>
-              <a:lnRef idx="2">
-                <a:schemeClr val="accent1">
-                  <a:shade val="50000"/>
-                </a:schemeClr>
-              </a:lnRef>
-              <a:fillRef idx="1">
-                <a:schemeClr val="accent1"/>
-              </a:fillRef>
-              <a:effectRef idx="0">
-                <a:schemeClr val="accent1"/>
-              </a:effectRef>
-              <a:fontRef idx="minor">
-                <a:schemeClr val="lt1"/>
-              </a:fontRef>
-            </p:style>
-            <p:txBody>
-              <a:bodyPr rot="0" spcFirstLastPara="0" vertOverflow="overflow" horzOverflow="overflow" vert="horz" wrap="square" lIns="91440" tIns="45720" rIns="91440" bIns="45720" numCol="1" spcCol="0" rtlCol="0" fromWordArt="0" anchor="ctr" anchorCtr="0" forceAA="0" compatLnSpc="1">
-                <a:prstTxWarp prst="textNoShape">
-                  <a:avLst/>
-                </a:prstTxWarp>
-                <a:noAutofit/>
-              </a:bodyPr>
-              <a:lstStyle/>
-              <a:p>
-                <a:pPr algn="ctr"/>
-                <a:endParaRPr lang="de-DE">
-                  <a:latin typeface="CMU Sans Serif" panose="02000603000000000000" pitchFamily="2" charset="0"/>
-                  <a:ea typeface="CMU Sans Serif" panose="02000603000000000000" pitchFamily="2" charset="0"/>
-                  <a:cs typeface="CMU Sans Serif" panose="02000603000000000000" pitchFamily="2" charset="0"/>
-                </a:endParaRPr>
-              </a:p>
-            </p:txBody>
-          </p:sp>
-        </p:grpSp>
-        <p:sp>
-          <p:nvSpPr>
-            <p:cNvPr id="17" name="Textfeld 16">
-              <a:extLst>
-                <a:ext uri="{FF2B5EF4-FFF2-40B4-BE49-F238E27FC236}">
-                  <a16:creationId xmlns:a16="http://schemas.microsoft.com/office/drawing/2014/main" id="{17AAD005-E177-42FE-9F14-21580703D6FF}"/>
-                </a:ext>
-              </a:extLst>
-            </p:cNvPr>
-            <p:cNvSpPr txBox="1"/>
+            <p:cNvSpPr/>
             <p:nvPr/>
           </p:nvSpPr>
           <p:spPr>
             <a:xfrm>
-              <a:off x="594917" y="2856670"/>
-              <a:ext cx="314510" cy="1631216"/>
+              <a:off x="2746499" y="800059"/>
+              <a:ext cx="820157" cy="1634100"/>
             </a:xfrm>
-            <a:prstGeom prst="rect">
+            <a:prstGeom prst="ellipse">
               <a:avLst/>
             </a:prstGeom>
-            <a:noFill/>
-            <a:ln w="12700">
-              <a:noFill/>
+            <a:solidFill>
+              <a:schemeClr val="bg1"/>
+            </a:solidFill>
+            <a:ln w="3175">
+              <a:solidFill>
+                <a:schemeClr val="tx1"/>
+              </a:solidFill>
             </a:ln>
           </p:spPr>
+          <p:style>
+            <a:lnRef idx="2">
+              <a:schemeClr val="accent1">
+                <a:shade val="50000"/>
+              </a:schemeClr>
+            </a:lnRef>
+            <a:fillRef idx="1">
+              <a:schemeClr val="accent1"/>
+            </a:fillRef>
+            <a:effectRef idx="0">
+              <a:schemeClr val="accent1"/>
+            </a:effectRef>
+            <a:fontRef idx="minor">
+              <a:schemeClr val="lt1"/>
+            </a:fontRef>
+          </p:style>
           <p:txBody>
-            <a:bodyPr wrap="none" rtlCol="0">
-              <a:spAutoFit/>
+            <a:bodyPr rot="0" spcFirstLastPara="0" vertOverflow="overflow" horzOverflow="overflow" vert="horz" wrap="square" lIns="67725" tIns="33863" rIns="67725" bIns="33863" numCol="1" spcCol="0" rtlCol="0" fromWordArt="0" anchor="ctr" anchorCtr="0" forceAA="0" compatLnSpc="1">
+              <a:prstTxWarp prst="textNoShape">
+                <a:avLst/>
+              </a:prstTxWarp>
+              <a:noAutofit/>
             </a:bodyPr>
             <a:lstStyle/>
             <a:p>
-              <a:r>
-                <a:rPr lang="de-DE" sz="2000" dirty="0">
-                  <a:latin typeface="CMU Sans Serif" panose="02000603000000000000" pitchFamily="2" charset="0"/>
-                  <a:ea typeface="CMU Sans Serif" panose="02000603000000000000" pitchFamily="2" charset="0"/>
-                  <a:cs typeface="CMU Sans Serif" panose="02000603000000000000" pitchFamily="2" charset="0"/>
-                </a:rPr>
-                <a:t>1</a:t>
-              </a:r>
-            </a:p>
-            <a:p>
-              <a:endParaRPr lang="de-DE" sz="2000" dirty="0">
-                <a:latin typeface="CMU Sans Serif" panose="02000603000000000000" pitchFamily="2" charset="0"/>
-                <a:ea typeface="CMU Sans Serif" panose="02000603000000000000" pitchFamily="2" charset="0"/>
-                <a:cs typeface="CMU Sans Serif" panose="02000603000000000000" pitchFamily="2" charset="0"/>
-              </a:endParaRPr>
-            </a:p>
-            <a:p>
-              <a:r>
-                <a:rPr lang="de-DE" sz="2000" dirty="0">
-                  <a:latin typeface="CMU Sans Serif" panose="02000603000000000000" pitchFamily="2" charset="0"/>
-                  <a:ea typeface="CMU Sans Serif" panose="02000603000000000000" pitchFamily="2" charset="0"/>
-                  <a:cs typeface="CMU Sans Serif" panose="02000603000000000000" pitchFamily="2" charset="0"/>
-                </a:rPr>
-                <a:t>2</a:t>
-              </a:r>
-            </a:p>
-            <a:p>
-              <a:endParaRPr lang="de-DE" sz="2000" dirty="0">
-                <a:latin typeface="CMU Sans Serif" panose="02000603000000000000" pitchFamily="2" charset="0"/>
-                <a:ea typeface="CMU Sans Serif" panose="02000603000000000000" pitchFamily="2" charset="0"/>
-                <a:cs typeface="CMU Sans Serif" panose="02000603000000000000" pitchFamily="2" charset="0"/>
-              </a:endParaRPr>
-            </a:p>
-            <a:p>
-              <a:r>
-                <a:rPr lang="de-DE" sz="2000" dirty="0">
-                  <a:latin typeface="CMU Sans Serif" panose="02000603000000000000" pitchFamily="2" charset="0"/>
-                  <a:ea typeface="CMU Sans Serif" panose="02000603000000000000" pitchFamily="2" charset="0"/>
-                  <a:cs typeface="CMU Sans Serif" panose="02000603000000000000" pitchFamily="2" charset="0"/>
-                </a:rPr>
-                <a:t>3</a:t>
-              </a:r>
-              <a:endParaRPr lang="de-DE" dirty="0">
+              <a:pPr algn="ctr"/>
+              <a:endParaRPr lang="de-DE" sz="1037">
                 <a:latin typeface="CMU Sans Serif" panose="02000603000000000000" pitchFamily="2" charset="0"/>
                 <a:ea typeface="CMU Sans Serif" panose="02000603000000000000" pitchFamily="2" charset="0"/>
                 <a:cs typeface="CMU Sans Serif" panose="02000603000000000000" pitchFamily="2" charset="0"/>
@@ -3223,95 +3058,60 @@
         </p:sp>
         <p:sp>
           <p:nvSpPr>
-            <p:cNvPr id="21" name="Textfeld 20">
+            <p:cNvPr id="13" name="Ellipse 12">
               <a:extLst>
                 <a:ext uri="{FF2B5EF4-FFF2-40B4-BE49-F238E27FC236}">
-                  <a16:creationId xmlns:a16="http://schemas.microsoft.com/office/drawing/2014/main" id="{FB504BCD-8604-4D4D-9C47-B393087B68FE}"/>
+                  <a16:creationId xmlns:a16="http://schemas.microsoft.com/office/drawing/2014/main" id="{F51594ED-A88B-4746-908A-36C3FAD35B60}"/>
                 </a:ext>
               </a:extLst>
             </p:cNvPr>
-            <p:cNvSpPr txBox="1"/>
+            <p:cNvSpPr/>
             <p:nvPr/>
           </p:nvSpPr>
           <p:spPr>
             <a:xfrm>
-              <a:off x="1954974" y="2651773"/>
-              <a:ext cx="380232" cy="2062103"/>
+              <a:off x="3754090" y="800059"/>
+              <a:ext cx="820157" cy="1634100"/>
             </a:xfrm>
-            <a:prstGeom prst="rect">
+            <a:prstGeom prst="ellipse">
               <a:avLst/>
             </a:prstGeom>
-            <a:noFill/>
-            <a:ln w="12700">
-              <a:noFill/>
+            <a:solidFill>
+              <a:schemeClr val="bg1"/>
+            </a:solidFill>
+            <a:ln w="3175">
+              <a:solidFill>
+                <a:schemeClr val="tx1"/>
+              </a:solidFill>
             </a:ln>
           </p:spPr>
+          <p:style>
+            <a:lnRef idx="2">
+              <a:schemeClr val="accent1">
+                <a:shade val="50000"/>
+              </a:schemeClr>
+            </a:lnRef>
+            <a:fillRef idx="1">
+              <a:schemeClr val="accent1"/>
+            </a:fillRef>
+            <a:effectRef idx="0">
+              <a:schemeClr val="accent1"/>
+            </a:effectRef>
+            <a:fontRef idx="minor">
+              <a:schemeClr val="lt1"/>
+            </a:fontRef>
+          </p:style>
           <p:txBody>
-            <a:bodyPr wrap="none" rtlCol="0">
-              <a:spAutoFit/>
+            <a:bodyPr rot="0" spcFirstLastPara="0" vertOverflow="overflow" horzOverflow="overflow" vert="horz" wrap="square" lIns="67725" tIns="33863" rIns="67725" bIns="33863" numCol="1" spcCol="0" rtlCol="0" fromWordArt="0" anchor="ctr" anchorCtr="0" forceAA="0" compatLnSpc="1">
+              <a:prstTxWarp prst="textNoShape">
+                <a:avLst/>
+              </a:prstTxWarp>
+              <a:noAutofit/>
             </a:bodyPr>
             <a:lstStyle/>
             <a:p>
-              <a:r>
-                <a:rPr lang="de-DE" sz="2000" dirty="0">
-                  <a:latin typeface="CMU Sans Serif" panose="02000603000000000000" pitchFamily="2" charset="0"/>
-                  <a:ea typeface="CMU Sans Serif" panose="02000603000000000000" pitchFamily="2" charset="0"/>
-                  <a:cs typeface="CMU Sans Serif" panose="02000603000000000000" pitchFamily="2" charset="0"/>
-                </a:rPr>
-                <a:t>A</a:t>
-              </a:r>
-            </a:p>
-            <a:p>
-              <a:endParaRPr lang="de-DE" sz="1600" dirty="0">
-                <a:latin typeface="CMU Sans Serif" panose="02000603000000000000" pitchFamily="2" charset="0"/>
-                <a:ea typeface="CMU Sans Serif" panose="02000603000000000000" pitchFamily="2" charset="0"/>
-                <a:cs typeface="CMU Sans Serif" panose="02000603000000000000" pitchFamily="2" charset="0"/>
-              </a:endParaRPr>
-            </a:p>
-            <a:p>
-              <a:r>
-                <a:rPr lang="de-DE" sz="2000" dirty="0">
-                  <a:latin typeface="CMU Sans Serif" panose="02000603000000000000" pitchFamily="2" charset="0"/>
-                  <a:ea typeface="CMU Sans Serif" panose="02000603000000000000" pitchFamily="2" charset="0"/>
-                  <a:cs typeface="CMU Sans Serif" panose="02000603000000000000" pitchFamily="2" charset="0"/>
-                </a:rPr>
-                <a:t>B</a:t>
-              </a:r>
-            </a:p>
-            <a:p>
-              <a:endParaRPr lang="de-DE" sz="1600" dirty="0">
-                <a:latin typeface="CMU Sans Serif" panose="02000603000000000000" pitchFamily="2" charset="0"/>
-                <a:ea typeface="CMU Sans Serif" panose="02000603000000000000" pitchFamily="2" charset="0"/>
-                <a:cs typeface="CMU Sans Serif" panose="02000603000000000000" pitchFamily="2" charset="0"/>
-              </a:endParaRPr>
-            </a:p>
-            <a:p>
-              <a:r>
-                <a:rPr lang="de-DE" sz="2000" dirty="0">
-                  <a:latin typeface="CMU Sans Serif" panose="02000603000000000000" pitchFamily="2" charset="0"/>
-                  <a:ea typeface="CMU Sans Serif" panose="02000603000000000000" pitchFamily="2" charset="0"/>
-                  <a:cs typeface="CMU Sans Serif" panose="02000603000000000000" pitchFamily="2" charset="0"/>
-                </a:rPr>
-                <a:t>C</a:t>
-              </a:r>
-            </a:p>
-            <a:p>
-              <a:endParaRPr lang="de-DE" sz="1600" dirty="0">
-                <a:latin typeface="CMU Sans Serif" panose="02000603000000000000" pitchFamily="2" charset="0"/>
-                <a:ea typeface="CMU Sans Serif" panose="02000603000000000000" pitchFamily="2" charset="0"/>
-                <a:cs typeface="CMU Sans Serif" panose="02000603000000000000" pitchFamily="2" charset="0"/>
-              </a:endParaRPr>
-            </a:p>
-            <a:p>
-              <a:r>
-                <a:rPr lang="de-DE" sz="2000" dirty="0">
-                  <a:latin typeface="CMU Sans Serif" panose="02000603000000000000" pitchFamily="2" charset="0"/>
-                  <a:ea typeface="CMU Sans Serif" panose="02000603000000000000" pitchFamily="2" charset="0"/>
-                  <a:cs typeface="CMU Sans Serif" panose="02000603000000000000" pitchFamily="2" charset="0"/>
-                </a:rPr>
-                <a:t>D</a:t>
-              </a:r>
-              <a:endParaRPr lang="de-DE" dirty="0">
+              <a:pPr algn="ctr"/>
+              <a:endParaRPr lang="de-DE" sz="1037">
                 <a:latin typeface="CMU Sans Serif" panose="02000603000000000000" pitchFamily="2" charset="0"/>
                 <a:ea typeface="CMU Sans Serif" panose="02000603000000000000" pitchFamily="2" charset="0"/>
                 <a:cs typeface="CMU Sans Serif" panose="02000603000000000000" pitchFamily="2" charset="0"/>
@@ -3319,6 +3119,382 @@
             </a:p>
           </p:txBody>
         </p:sp>
+        <mc:AlternateContent xmlns:mc="http://schemas.openxmlformats.org/markup-compatibility/2006">
+          <mc:Choice xmlns:a14="http://schemas.microsoft.com/office/drawing/2010/main" Requires="a14">
+            <p:sp>
+              <p:nvSpPr>
+                <p:cNvPr id="17" name="Textfeld 16">
+                  <a:extLst>
+                    <a:ext uri="{FF2B5EF4-FFF2-40B4-BE49-F238E27FC236}">
+                      <a16:creationId xmlns:a16="http://schemas.microsoft.com/office/drawing/2014/main" id="{17AAD005-E177-42FE-9F14-21580703D6FF}"/>
+                    </a:ext>
+                  </a:extLst>
+                </p:cNvPr>
+                <p:cNvSpPr txBox="1"/>
+                <p:nvPr/>
+              </p:nvSpPr>
+              <p:spPr>
+                <a:xfrm>
+                  <a:off x="2968865" y="1013028"/>
+                  <a:ext cx="407484" cy="1231747"/>
+                </a:xfrm>
+                <a:prstGeom prst="rect">
+                  <a:avLst/>
+                </a:prstGeom>
+                <a:noFill/>
+                <a:ln w="3175">
+                  <a:noFill/>
+                </a:ln>
+              </p:spPr>
+              <p:txBody>
+                <a:bodyPr wrap="none" rtlCol="0">
+                  <a:spAutoFit/>
+                </a:bodyPr>
+                <a:lstStyle/>
+                <a:p>
+                  <a:pPr/>
+                  <a14:m>
+                    <m:oMathPara xmlns:m="http://schemas.openxmlformats.org/officeDocument/2006/math">
+                      <m:oMathParaPr>
+                        <m:jc m:val="centerGroup"/>
+                      </m:oMathParaPr>
+                      <m:oMath xmlns:m="http://schemas.openxmlformats.org/officeDocument/2006/math">
+                        <m:r>
+                          <a:rPr lang="de-DE" sz="1481" i="1" dirty="0">
+                            <a:latin typeface="Cambria Math" panose="02040503050406030204" pitchFamily="18" charset="0"/>
+                            <a:ea typeface="CMU Sans Serif" panose="02000603000000000000" pitchFamily="2" charset="0"/>
+                            <a:cs typeface="CMU Sans Serif" panose="02000603000000000000" pitchFamily="2" charset="0"/>
+                          </a:rPr>
+                          <m:t>1</m:t>
+                        </m:r>
+                      </m:oMath>
+                    </m:oMathPara>
+                  </a14:m>
+                  <a:endParaRPr lang="de-DE" sz="1481" dirty="0">
+                    <a:latin typeface="CMU Sans Serif" panose="02000603000000000000" pitchFamily="2" charset="0"/>
+                    <a:ea typeface="CMU Sans Serif" panose="02000603000000000000" pitchFamily="2" charset="0"/>
+                    <a:cs typeface="CMU Sans Serif" panose="02000603000000000000" pitchFamily="2" charset="0"/>
+                  </a:endParaRPr>
+                </a:p>
+                <a:p>
+                  <a:endParaRPr lang="de-DE" sz="1481" dirty="0">
+                    <a:latin typeface="CMU Sans Serif" panose="02000603000000000000" pitchFamily="2" charset="0"/>
+                    <a:ea typeface="CMU Sans Serif" panose="02000603000000000000" pitchFamily="2" charset="0"/>
+                    <a:cs typeface="CMU Sans Serif" panose="02000603000000000000" pitchFamily="2" charset="0"/>
+                  </a:endParaRPr>
+                </a:p>
+                <a:p>
+                  <a:pPr/>
+                  <a14:m>
+                    <m:oMathPara xmlns:m="http://schemas.openxmlformats.org/officeDocument/2006/math">
+                      <m:oMathParaPr>
+                        <m:jc m:val="centerGroup"/>
+                      </m:oMathParaPr>
+                      <m:oMath xmlns:m="http://schemas.openxmlformats.org/officeDocument/2006/math">
+                        <m:r>
+                          <a:rPr lang="de-DE" sz="1481" i="1" dirty="0">
+                            <a:latin typeface="Cambria Math" panose="02040503050406030204" pitchFamily="18" charset="0"/>
+                            <a:ea typeface="CMU Sans Serif" panose="02000603000000000000" pitchFamily="2" charset="0"/>
+                            <a:cs typeface="CMU Sans Serif" panose="02000603000000000000" pitchFamily="2" charset="0"/>
+                          </a:rPr>
+                          <m:t>2</m:t>
+                        </m:r>
+                      </m:oMath>
+                    </m:oMathPara>
+                  </a14:m>
+                  <a:endParaRPr lang="de-DE" sz="1481" dirty="0">
+                    <a:latin typeface="CMU Sans Serif" panose="02000603000000000000" pitchFamily="2" charset="0"/>
+                    <a:ea typeface="CMU Sans Serif" panose="02000603000000000000" pitchFamily="2" charset="0"/>
+                    <a:cs typeface="CMU Sans Serif" panose="02000603000000000000" pitchFamily="2" charset="0"/>
+                  </a:endParaRPr>
+                </a:p>
+                <a:p>
+                  <a:endParaRPr lang="de-DE" sz="1481" dirty="0">
+                    <a:latin typeface="CMU Sans Serif" panose="02000603000000000000" pitchFamily="2" charset="0"/>
+                    <a:ea typeface="CMU Sans Serif" panose="02000603000000000000" pitchFamily="2" charset="0"/>
+                    <a:cs typeface="CMU Sans Serif" panose="02000603000000000000" pitchFamily="2" charset="0"/>
+                  </a:endParaRPr>
+                </a:p>
+                <a:p>
+                  <a:pPr/>
+                  <a14:m>
+                    <m:oMathPara xmlns:m="http://schemas.openxmlformats.org/officeDocument/2006/math">
+                      <m:oMathParaPr>
+                        <m:jc m:val="centerGroup"/>
+                      </m:oMathParaPr>
+                      <m:oMath xmlns:m="http://schemas.openxmlformats.org/officeDocument/2006/math">
+                        <m:r>
+                          <a:rPr lang="de-DE" sz="1481" i="1" dirty="0">
+                            <a:latin typeface="Cambria Math" panose="02040503050406030204" pitchFamily="18" charset="0"/>
+                            <a:ea typeface="CMU Sans Serif" panose="02000603000000000000" pitchFamily="2" charset="0"/>
+                            <a:cs typeface="CMU Sans Serif" panose="02000603000000000000" pitchFamily="2" charset="0"/>
+                          </a:rPr>
+                          <m:t>3</m:t>
+                        </m:r>
+                      </m:oMath>
+                    </m:oMathPara>
+                  </a14:m>
+                  <a:endParaRPr lang="de-DE" sz="1037" dirty="0">
+                    <a:latin typeface="CMU Sans Serif" panose="02000603000000000000" pitchFamily="2" charset="0"/>
+                    <a:ea typeface="CMU Sans Serif" panose="02000603000000000000" pitchFamily="2" charset="0"/>
+                    <a:cs typeface="CMU Sans Serif" panose="02000603000000000000" pitchFamily="2" charset="0"/>
+                  </a:endParaRPr>
+                </a:p>
+              </p:txBody>
+            </p:sp>
+          </mc:Choice>
+          <mc:Fallback>
+            <p:sp>
+              <p:nvSpPr>
+                <p:cNvPr id="17" name="Textfeld 16">
+                  <a:extLst>
+                    <a:ext uri="{FF2B5EF4-FFF2-40B4-BE49-F238E27FC236}">
+                      <a16:creationId xmlns:a16="http://schemas.microsoft.com/office/drawing/2014/main" id="{17AAD005-E177-42FE-9F14-21580703D6FF}"/>
+                    </a:ext>
+                  </a:extLst>
+                </p:cNvPr>
+                <p:cNvSpPr txBox="1">
+                  <a:spLocks noRot="1" noChangeAspect="1" noMove="1" noResize="1" noEditPoints="1" noAdjustHandles="1" noChangeArrowheads="1" noChangeShapeType="1" noTextEdit="1"/>
+                </p:cNvSpPr>
+                <p:nvPr/>
+              </p:nvSpPr>
+              <p:spPr>
+                <a:xfrm>
+                  <a:off x="2968865" y="1013028"/>
+                  <a:ext cx="407484" cy="1231747"/>
+                </a:xfrm>
+                <a:prstGeom prst="rect">
+                  <a:avLst/>
+                </a:prstGeom>
+                <a:blipFill>
+                  <a:blip r:embed="rId2"/>
+                  <a:stretch>
+                    <a:fillRect/>
+                  </a:stretch>
+                </a:blipFill>
+                <a:ln w="3175">
+                  <a:noFill/>
+                </a:ln>
+              </p:spPr>
+              <p:txBody>
+                <a:bodyPr/>
+                <a:lstStyle/>
+                <a:p>
+                  <a:r>
+                    <a:rPr lang="de-DE">
+                      <a:noFill/>
+                    </a:rPr>
+                    <a:t> </a:t>
+                  </a:r>
+                </a:p>
+              </p:txBody>
+            </p:sp>
+          </mc:Fallback>
+        </mc:AlternateContent>
+        <mc:AlternateContent xmlns:mc="http://schemas.openxmlformats.org/markup-compatibility/2006">
+          <mc:Choice xmlns:a14="http://schemas.microsoft.com/office/drawing/2010/main" Requires="a14">
+            <p:sp>
+              <p:nvSpPr>
+                <p:cNvPr id="21" name="Textfeld 20">
+                  <a:extLst>
+                    <a:ext uri="{FF2B5EF4-FFF2-40B4-BE49-F238E27FC236}">
+                      <a16:creationId xmlns:a16="http://schemas.microsoft.com/office/drawing/2014/main" id="{FB504BCD-8604-4D4D-9C47-B393087B68FE}"/>
+                    </a:ext>
+                  </a:extLst>
+                </p:cNvPr>
+                <p:cNvSpPr txBox="1"/>
+                <p:nvPr/>
+              </p:nvSpPr>
+              <p:spPr>
+                <a:xfrm>
+                  <a:off x="3970557" y="861271"/>
+                  <a:ext cx="418513" cy="1550937"/>
+                </a:xfrm>
+                <a:prstGeom prst="rect">
+                  <a:avLst/>
+                </a:prstGeom>
+                <a:noFill/>
+                <a:ln w="3175">
+                  <a:noFill/>
+                </a:ln>
+              </p:spPr>
+              <p:txBody>
+                <a:bodyPr wrap="none" rtlCol="0">
+                  <a:spAutoFit/>
+                </a:bodyPr>
+                <a:lstStyle/>
+                <a:p>
+                  <a:pPr/>
+                  <a14:m>
+                    <m:oMathPara xmlns:m="http://schemas.openxmlformats.org/officeDocument/2006/math">
+                      <m:oMathParaPr>
+                        <m:jc m:val="centerGroup"/>
+                      </m:oMathParaPr>
+                      <m:oMath xmlns:m="http://schemas.openxmlformats.org/officeDocument/2006/math">
+                        <m:r>
+                          <a:rPr lang="de-DE" sz="1481" i="1" dirty="0">
+                            <a:latin typeface="Cambria Math" panose="02040503050406030204" pitchFamily="18" charset="0"/>
+                            <a:ea typeface="CMU Sans Serif" panose="02000603000000000000" pitchFamily="2" charset="0"/>
+                            <a:cs typeface="CMU Sans Serif" panose="02000603000000000000" pitchFamily="2" charset="0"/>
+                          </a:rPr>
+                          <m:t>𝑎</m:t>
+                        </m:r>
+                      </m:oMath>
+                    </m:oMathPara>
+                  </a14:m>
+                  <a:endParaRPr lang="de-DE" sz="1481" dirty="0">
+                    <a:latin typeface="CMU Sans Serif" panose="02000603000000000000" pitchFamily="2" charset="0"/>
+                    <a:ea typeface="CMU Sans Serif" panose="02000603000000000000" pitchFamily="2" charset="0"/>
+                    <a:cs typeface="CMU Sans Serif" panose="02000603000000000000" pitchFamily="2" charset="0"/>
+                  </a:endParaRPr>
+                </a:p>
+                <a:p>
+                  <a:endParaRPr lang="de-DE" sz="1185" dirty="0">
+                    <a:latin typeface="CMU Sans Serif" panose="02000603000000000000" pitchFamily="2" charset="0"/>
+                    <a:ea typeface="CMU Sans Serif" panose="02000603000000000000" pitchFamily="2" charset="0"/>
+                    <a:cs typeface="CMU Sans Serif" panose="02000603000000000000" pitchFamily="2" charset="0"/>
+                  </a:endParaRPr>
+                </a:p>
+                <a:p>
+                  <a:pPr/>
+                  <a14:m>
+                    <m:oMathPara xmlns:m="http://schemas.openxmlformats.org/officeDocument/2006/math">
+                      <m:oMathParaPr>
+                        <m:jc m:val="centerGroup"/>
+                      </m:oMathParaPr>
+                      <m:oMath xmlns:m="http://schemas.openxmlformats.org/officeDocument/2006/math">
+                        <m:r>
+                          <a:rPr lang="de-DE" sz="1481" i="1" dirty="0">
+                            <a:latin typeface="Cambria Math" panose="02040503050406030204" pitchFamily="18" charset="0"/>
+                            <a:ea typeface="CMU Sans Serif" panose="02000603000000000000" pitchFamily="2" charset="0"/>
+                            <a:cs typeface="CMU Sans Serif" panose="02000603000000000000" pitchFamily="2" charset="0"/>
+                          </a:rPr>
+                          <m:t>𝑏</m:t>
+                        </m:r>
+                      </m:oMath>
+                    </m:oMathPara>
+                  </a14:m>
+                  <a:endParaRPr lang="de-DE" sz="1481" dirty="0">
+                    <a:latin typeface="CMU Sans Serif" panose="02000603000000000000" pitchFamily="2" charset="0"/>
+                    <a:ea typeface="CMU Sans Serif" panose="02000603000000000000" pitchFamily="2" charset="0"/>
+                    <a:cs typeface="CMU Sans Serif" panose="02000603000000000000" pitchFamily="2" charset="0"/>
+                  </a:endParaRPr>
+                </a:p>
+                <a:p>
+                  <a:endParaRPr lang="de-DE" sz="1185" dirty="0">
+                    <a:latin typeface="CMU Sans Serif" panose="02000603000000000000" pitchFamily="2" charset="0"/>
+                    <a:ea typeface="CMU Sans Serif" panose="02000603000000000000" pitchFamily="2" charset="0"/>
+                    <a:cs typeface="CMU Sans Serif" panose="02000603000000000000" pitchFamily="2" charset="0"/>
+                  </a:endParaRPr>
+                </a:p>
+                <a:p>
+                  <a:pPr/>
+                  <a14:m>
+                    <m:oMathPara xmlns:m="http://schemas.openxmlformats.org/officeDocument/2006/math">
+                      <m:oMathParaPr>
+                        <m:jc m:val="centerGroup"/>
+                      </m:oMathParaPr>
+                      <m:oMath xmlns:m="http://schemas.openxmlformats.org/officeDocument/2006/math">
+                        <m:r>
+                          <a:rPr lang="de-DE" sz="1481" i="1" dirty="0">
+                            <a:latin typeface="Cambria Math" panose="02040503050406030204" pitchFamily="18" charset="0"/>
+                            <a:ea typeface="CMU Sans Serif" panose="02000603000000000000" pitchFamily="2" charset="0"/>
+                            <a:cs typeface="CMU Sans Serif" panose="02000603000000000000" pitchFamily="2" charset="0"/>
+                          </a:rPr>
+                          <m:t>𝑐</m:t>
+                        </m:r>
+                      </m:oMath>
+                    </m:oMathPara>
+                  </a14:m>
+                  <a:endParaRPr lang="de-DE" sz="1481" dirty="0">
+                    <a:latin typeface="CMU Sans Serif" panose="02000603000000000000" pitchFamily="2" charset="0"/>
+                    <a:ea typeface="CMU Sans Serif" panose="02000603000000000000" pitchFamily="2" charset="0"/>
+                    <a:cs typeface="CMU Sans Serif" panose="02000603000000000000" pitchFamily="2" charset="0"/>
+                  </a:endParaRPr>
+                </a:p>
+                <a:p>
+                  <a:endParaRPr lang="de-DE" sz="1185" dirty="0">
+                    <a:latin typeface="CMU Sans Serif" panose="02000603000000000000" pitchFamily="2" charset="0"/>
+                    <a:ea typeface="CMU Sans Serif" panose="02000603000000000000" pitchFamily="2" charset="0"/>
+                    <a:cs typeface="CMU Sans Serif" panose="02000603000000000000" pitchFamily="2" charset="0"/>
+                  </a:endParaRPr>
+                </a:p>
+                <a:p>
+                  <a:pPr/>
+                  <a14:m>
+                    <m:oMathPara xmlns:m="http://schemas.openxmlformats.org/officeDocument/2006/math">
+                      <m:oMathParaPr>
+                        <m:jc m:val="centerGroup"/>
+                      </m:oMathParaPr>
+                      <m:oMath xmlns:m="http://schemas.openxmlformats.org/officeDocument/2006/math">
+                        <m:r>
+                          <a:rPr lang="de-DE" sz="1481" i="1" dirty="0">
+                            <a:latin typeface="Cambria Math" panose="02040503050406030204" pitchFamily="18" charset="0"/>
+                            <a:ea typeface="CMU Sans Serif" panose="02000603000000000000" pitchFamily="2" charset="0"/>
+                            <a:cs typeface="CMU Sans Serif" panose="02000603000000000000" pitchFamily="2" charset="0"/>
+                          </a:rPr>
+                          <m:t>𝑑</m:t>
+                        </m:r>
+                      </m:oMath>
+                    </m:oMathPara>
+                  </a14:m>
+                  <a:endParaRPr lang="de-DE" sz="1037" dirty="0">
+                    <a:latin typeface="CMU Sans Serif" panose="02000603000000000000" pitchFamily="2" charset="0"/>
+                    <a:ea typeface="CMU Sans Serif" panose="02000603000000000000" pitchFamily="2" charset="0"/>
+                    <a:cs typeface="CMU Sans Serif" panose="02000603000000000000" pitchFamily="2" charset="0"/>
+                  </a:endParaRPr>
+                </a:p>
+              </p:txBody>
+            </p:sp>
+          </mc:Choice>
+          <mc:Fallback>
+            <p:sp>
+              <p:nvSpPr>
+                <p:cNvPr id="21" name="Textfeld 20">
+                  <a:extLst>
+                    <a:ext uri="{FF2B5EF4-FFF2-40B4-BE49-F238E27FC236}">
+                      <a16:creationId xmlns:a16="http://schemas.microsoft.com/office/drawing/2014/main" id="{FB504BCD-8604-4D4D-9C47-B393087B68FE}"/>
+                    </a:ext>
+                  </a:extLst>
+                </p:cNvPr>
+                <p:cNvSpPr txBox="1">
+                  <a:spLocks noRot="1" noChangeAspect="1" noMove="1" noResize="1" noEditPoints="1" noAdjustHandles="1" noChangeArrowheads="1" noChangeShapeType="1" noTextEdit="1"/>
+                </p:cNvSpPr>
+                <p:nvPr/>
+              </p:nvSpPr>
+              <p:spPr>
+                <a:xfrm>
+                  <a:off x="3970557" y="861271"/>
+                  <a:ext cx="418513" cy="1550937"/>
+                </a:xfrm>
+                <a:prstGeom prst="rect">
+                  <a:avLst/>
+                </a:prstGeom>
+                <a:blipFill>
+                  <a:blip r:embed="rId3"/>
+                  <a:stretch>
+                    <a:fillRect/>
+                  </a:stretch>
+                </a:blipFill>
+                <a:ln w="3175">
+                  <a:noFill/>
+                </a:ln>
+              </p:spPr>
+              <p:txBody>
+                <a:bodyPr/>
+                <a:lstStyle/>
+                <a:p>
+                  <a:r>
+                    <a:rPr lang="de-DE">
+                      <a:noFill/>
+                    </a:rPr>
+                    <a:t> </a:t>
+                  </a:r>
+                </a:p>
+              </p:txBody>
+            </p:sp>
+          </mc:Fallback>
+        </mc:AlternateContent>
         <p:cxnSp>
           <p:nvCxnSpPr>
             <p:cNvPr id="24" name="Gerade Verbindung mit Pfeil 23">
@@ -3335,13 +3511,13 @@
           </p:nvCxnSpPr>
           <p:spPr>
             <a:xfrm flipV="1">
-              <a:off x="890790" y="2841042"/>
-              <a:ext cx="1064148" cy="192287"/>
+              <a:off x="3247304" y="1030862"/>
+              <a:ext cx="800478" cy="113008"/>
             </a:xfrm>
             <a:prstGeom prst="straightConnector1">
               <a:avLst/>
             </a:prstGeom>
-            <a:ln w="12700">
+            <a:ln w="3175">
               <a:solidFill>
                 <a:schemeClr val="tx1">
                   <a:lumMod val="95000"/>
@@ -3382,13 +3558,13 @@
           </p:nvCxnSpPr>
           <p:spPr>
             <a:xfrm flipV="1">
-              <a:off x="870060" y="3384657"/>
-              <a:ext cx="1102692" cy="245784"/>
+              <a:off x="3231951" y="1427955"/>
+              <a:ext cx="841353" cy="158166"/>
             </a:xfrm>
             <a:prstGeom prst="straightConnector1">
               <a:avLst/>
             </a:prstGeom>
-            <a:ln w="12700">
+            <a:ln w="3175">
               <a:solidFill>
                 <a:schemeClr val="tx1">
                   <a:lumMod val="95000"/>
@@ -3429,13 +3605,13 @@
           </p:nvCxnSpPr>
           <p:spPr>
             <a:xfrm>
-              <a:off x="890790" y="4240540"/>
-              <a:ext cx="1080777" cy="235199"/>
+              <a:off x="3247304" y="2037991"/>
+              <a:ext cx="800478" cy="174200"/>
             </a:xfrm>
             <a:prstGeom prst="straightConnector1">
               <a:avLst/>
             </a:prstGeom>
-            <a:ln w="12700">
+            <a:ln w="3175">
               <a:solidFill>
                 <a:schemeClr val="tx1">
                   <a:lumMod val="95000"/>
@@ -3460,27 +3636,6 @@
             </a:fontRef>
           </p:style>
         </p:cxnSp>
-      </p:grpSp>
-      <p:grpSp>
-        <p:nvGrpSpPr>
-          <p:cNvPr id="10" name="Gruppieren 9">
-            <a:extLst>
-              <a:ext uri="{FF2B5EF4-FFF2-40B4-BE49-F238E27FC236}">
-                <a16:creationId xmlns:a16="http://schemas.microsoft.com/office/drawing/2014/main" id="{8A3E08DF-1B90-49A4-A5DA-1AB82D6F11E3}"/>
-              </a:ext>
-            </a:extLst>
-          </p:cNvPr>
-          <p:cNvGrpSpPr/>
-          <p:nvPr/>
-        </p:nvGrpSpPr>
-        <p:grpSpPr>
-          <a:xfrm>
-            <a:off x="6980777" y="756204"/>
-            <a:ext cx="2467762" cy="2206305"/>
-            <a:chOff x="6588152" y="2569128"/>
-            <a:chExt cx="2467762" cy="2206305"/>
-          </a:xfrm>
-        </p:grpSpPr>
         <p:sp>
           <p:nvSpPr>
             <p:cNvPr id="8" name="Ellipse 7">
@@ -3495,8 +3650,8 @@
           </p:nvSpPr>
           <p:spPr>
             <a:xfrm>
-              <a:off x="6588152" y="2569128"/>
-              <a:ext cx="1107347" cy="2206305"/>
+              <a:off x="5170312" y="800059"/>
+              <a:ext cx="820157" cy="1634100"/>
             </a:xfrm>
             <a:prstGeom prst="ellipse">
               <a:avLst/>
@@ -3504,7 +3659,7 @@
             <a:solidFill>
               <a:schemeClr val="bg1"/>
             </a:solidFill>
-            <a:ln>
+            <a:ln w="3175">
               <a:solidFill>
                 <a:schemeClr val="tx1"/>
               </a:solidFill>
@@ -3527,7 +3682,7 @@
             </a:fontRef>
           </p:style>
           <p:txBody>
-            <a:bodyPr rot="0" spcFirstLastPara="0" vertOverflow="overflow" horzOverflow="overflow" vert="horz" wrap="square" lIns="91440" tIns="45720" rIns="91440" bIns="45720" numCol="1" spcCol="0" rtlCol="0" fromWordArt="0" anchor="ctr" anchorCtr="0" forceAA="0" compatLnSpc="1">
+            <a:bodyPr rot="0" spcFirstLastPara="0" vertOverflow="overflow" horzOverflow="overflow" vert="horz" wrap="square" lIns="67725" tIns="33863" rIns="67725" bIns="33863" numCol="1" spcCol="0" rtlCol="0" fromWordArt="0" anchor="ctr" anchorCtr="0" forceAA="0" compatLnSpc="1">
               <a:prstTxWarp prst="textNoShape">
                 <a:avLst/>
               </a:prstTxWarp>
@@ -3536,7 +3691,7 @@
             <a:lstStyle/>
             <a:p>
               <a:pPr algn="ctr"/>
-              <a:endParaRPr lang="de-DE">
+              <a:endParaRPr lang="de-DE" sz="1037">
                 <a:latin typeface="CMU Sans Serif" panose="02000603000000000000" pitchFamily="2" charset="0"/>
                 <a:ea typeface="CMU Sans Serif" panose="02000603000000000000" pitchFamily="2" charset="0"/>
                 <a:cs typeface="CMU Sans Serif" panose="02000603000000000000" pitchFamily="2" charset="0"/>
@@ -3558,8 +3713,8 @@
           </p:nvSpPr>
           <p:spPr>
             <a:xfrm>
-              <a:off x="7948567" y="2569128"/>
-              <a:ext cx="1107347" cy="2206305"/>
+              <a:off x="6177903" y="800059"/>
+              <a:ext cx="820157" cy="1634100"/>
             </a:xfrm>
             <a:prstGeom prst="ellipse">
               <a:avLst/>
@@ -3567,7 +3722,7 @@
             <a:solidFill>
               <a:schemeClr val="bg1"/>
             </a:solidFill>
-            <a:ln>
+            <a:ln w="3175">
               <a:solidFill>
                 <a:schemeClr val="tx1"/>
               </a:solidFill>
@@ -3590,7 +3745,7 @@
             </a:fontRef>
           </p:style>
           <p:txBody>
-            <a:bodyPr rot="0" spcFirstLastPara="0" vertOverflow="overflow" horzOverflow="overflow" vert="horz" wrap="square" lIns="91440" tIns="45720" rIns="91440" bIns="45720" numCol="1" spcCol="0" rtlCol="0" fromWordArt="0" anchor="ctr" anchorCtr="0" forceAA="0" compatLnSpc="1">
+            <a:bodyPr rot="0" spcFirstLastPara="0" vertOverflow="overflow" horzOverflow="overflow" vert="horz" wrap="square" lIns="67725" tIns="33863" rIns="67725" bIns="33863" numCol="1" spcCol="0" rtlCol="0" fromWordArt="0" anchor="ctr" anchorCtr="0" forceAA="0" compatLnSpc="1">
               <a:prstTxWarp prst="textNoShape">
                 <a:avLst/>
               </a:prstTxWarp>
@@ -3599,7 +3754,7 @@
             <a:lstStyle/>
             <a:p>
               <a:pPr algn="ctr"/>
-              <a:endParaRPr lang="de-DE">
+              <a:endParaRPr lang="de-DE" sz="1037">
                 <a:latin typeface="CMU Sans Serif" panose="02000603000000000000" pitchFamily="2" charset="0"/>
                 <a:ea typeface="CMU Sans Serif" panose="02000603000000000000" pitchFamily="2" charset="0"/>
                 <a:cs typeface="CMU Sans Serif" panose="02000603000000000000" pitchFamily="2" charset="0"/>
@@ -3607,325 +3762,12 @@
             </a:p>
           </p:txBody>
         </p:sp>
-      </p:grpSp>
-      <p:sp>
-        <p:nvSpPr>
-          <p:cNvPr id="49" name="Textfeld 48">
-            <a:extLst>
-              <a:ext uri="{FF2B5EF4-FFF2-40B4-BE49-F238E27FC236}">
-                <a16:creationId xmlns:a16="http://schemas.microsoft.com/office/drawing/2014/main" id="{A22C2C6A-E3DC-4B86-B2AD-608882FB3305}"/>
-              </a:ext>
-            </a:extLst>
-          </p:cNvPr>
-          <p:cNvSpPr txBox="1"/>
-          <p:nvPr/>
-        </p:nvSpPr>
-        <p:spPr>
-          <a:xfrm>
-            <a:off x="170262" y="92138"/>
-            <a:ext cx="8699818" cy="430887"/>
-          </a:xfrm>
-          <a:prstGeom prst="rect">
-            <a:avLst/>
-          </a:prstGeom>
-          <a:noFill/>
-        </p:spPr>
-        <p:txBody>
-          <a:bodyPr wrap="none" rtlCol="0">
-            <a:spAutoFit/>
-          </a:bodyPr>
-          <a:lstStyle/>
-          <a:p>
-            <a:r>
-              <a:rPr lang="de-DE" sz="2200" b="1">
-                <a:latin typeface="CMU Sans Serif" panose="02000603000000000000" pitchFamily="2" charset="0"/>
-                <a:ea typeface="CMU Sans Serif" panose="02000603000000000000" pitchFamily="2" charset="0"/>
-                <a:cs typeface="CMU Sans Serif" panose="02000603000000000000" pitchFamily="2" charset="0"/>
-              </a:rPr>
-              <a:t>   </a:t>
-            </a:r>
-            <a:r>
-              <a:rPr lang="de-DE" sz="2200">
-                <a:latin typeface="CMU Sans Serif" panose="02000603000000000000" pitchFamily="2" charset="0"/>
-                <a:ea typeface="CMU Sans Serif" panose="02000603000000000000" pitchFamily="2" charset="0"/>
-                <a:cs typeface="CMU Sans Serif" panose="02000603000000000000" pitchFamily="2" charset="0"/>
-              </a:rPr>
-              <a:t>    Nicht-injektiv         </a:t>
-            </a:r>
-            <a:r>
-              <a:rPr lang="de-DE" sz="2200" b="1">
-                <a:latin typeface="CMU Sans Serif" panose="02000603000000000000" pitchFamily="2" charset="0"/>
-                <a:ea typeface="CMU Sans Serif" panose="02000603000000000000" pitchFamily="2" charset="0"/>
-                <a:cs typeface="CMU Sans Serif" panose="02000603000000000000" pitchFamily="2" charset="0"/>
-              </a:rPr>
-              <a:t>  </a:t>
-            </a:r>
-            <a:r>
-              <a:rPr lang="de-DE" sz="2200">
-                <a:latin typeface="CMU Sans Serif" panose="02000603000000000000" pitchFamily="2" charset="0"/>
-                <a:ea typeface="CMU Sans Serif" panose="02000603000000000000" pitchFamily="2" charset="0"/>
-                <a:cs typeface="CMU Sans Serif" panose="02000603000000000000" pitchFamily="2" charset="0"/>
-              </a:rPr>
-              <a:t>     Nicht-surjektiv                     Bijektiv</a:t>
-            </a:r>
-            <a:endParaRPr lang="de-DE" sz="2200" dirty="0">
-              <a:latin typeface="CMU Sans Serif" panose="02000603000000000000" pitchFamily="2" charset="0"/>
-              <a:ea typeface="CMU Sans Serif" panose="02000603000000000000" pitchFamily="2" charset="0"/>
-              <a:cs typeface="CMU Sans Serif" panose="02000603000000000000" pitchFamily="2" charset="0"/>
-            </a:endParaRPr>
-          </a:p>
-        </p:txBody>
-      </p:sp>
-      <p:grpSp>
-        <p:nvGrpSpPr>
-          <p:cNvPr id="2" name="Gruppieren 1">
-            <a:extLst>
-              <a:ext uri="{FF2B5EF4-FFF2-40B4-BE49-F238E27FC236}">
-                <a16:creationId xmlns:a16="http://schemas.microsoft.com/office/drawing/2014/main" id="{F86BA61D-71A0-4B8E-969E-E93B9A990A72}"/>
-              </a:ext>
-            </a:extLst>
-          </p:cNvPr>
-          <p:cNvGrpSpPr/>
-          <p:nvPr/>
-        </p:nvGrpSpPr>
-        <p:grpSpPr>
-          <a:xfrm>
-            <a:off x="453075" y="756204"/>
-            <a:ext cx="2467762" cy="2206305"/>
-            <a:chOff x="256232" y="3490492"/>
-            <a:chExt cx="2467762" cy="2206305"/>
-          </a:xfrm>
-        </p:grpSpPr>
-        <p:grpSp>
-          <p:nvGrpSpPr>
-            <p:cNvPr id="47" name="Gruppieren 46">
+        <p:sp>
+          <p:nvSpPr>
+            <p:cNvPr id="49" name="Textfeld 48">
               <a:extLst>
                 <a:ext uri="{FF2B5EF4-FFF2-40B4-BE49-F238E27FC236}">
-                  <a16:creationId xmlns:a16="http://schemas.microsoft.com/office/drawing/2014/main" id="{FBAA60DB-F8C5-4323-9E29-727F1E1C4B35}"/>
-                </a:ext>
-              </a:extLst>
-            </p:cNvPr>
-            <p:cNvGrpSpPr/>
-            <p:nvPr/>
-          </p:nvGrpSpPr>
-          <p:grpSpPr>
-            <a:xfrm>
-              <a:off x="256232" y="3490492"/>
-              <a:ext cx="2467762" cy="2206305"/>
-              <a:chOff x="3401386" y="2569126"/>
-              <a:chExt cx="2467762" cy="2206305"/>
-            </a:xfrm>
-          </p:grpSpPr>
-          <p:grpSp>
-            <p:nvGrpSpPr>
-              <p:cNvPr id="14" name="Gruppieren 13">
-                <a:extLst>
-                  <a:ext uri="{FF2B5EF4-FFF2-40B4-BE49-F238E27FC236}">
-                    <a16:creationId xmlns:a16="http://schemas.microsoft.com/office/drawing/2014/main" id="{2980E109-D5CA-406E-B782-BA8940343C95}"/>
-                  </a:ext>
-                </a:extLst>
-              </p:cNvPr>
-              <p:cNvGrpSpPr/>
-              <p:nvPr/>
-            </p:nvGrpSpPr>
-            <p:grpSpPr>
-              <a:xfrm>
-                <a:off x="3401386" y="2569126"/>
-                <a:ext cx="2467762" cy="2206305"/>
-                <a:chOff x="6588152" y="2569128"/>
-                <a:chExt cx="2467762" cy="2206305"/>
-              </a:xfrm>
-            </p:grpSpPr>
-            <p:sp>
-              <p:nvSpPr>
-                <p:cNvPr id="15" name="Ellipse 14">
-                  <a:extLst>
-                    <a:ext uri="{FF2B5EF4-FFF2-40B4-BE49-F238E27FC236}">
-                      <a16:creationId xmlns:a16="http://schemas.microsoft.com/office/drawing/2014/main" id="{679897F4-EEDF-4CE7-BD9A-FA17F0DC66A5}"/>
-                    </a:ext>
-                  </a:extLst>
-                </p:cNvPr>
-                <p:cNvSpPr/>
-                <p:nvPr/>
-              </p:nvSpPr>
-              <p:spPr>
-                <a:xfrm>
-                  <a:off x="6588152" y="2569128"/>
-                  <a:ext cx="1107347" cy="2206305"/>
-                </a:xfrm>
-                <a:prstGeom prst="ellipse">
-                  <a:avLst/>
-                </a:prstGeom>
-                <a:solidFill>
-                  <a:schemeClr val="bg1"/>
-                </a:solidFill>
-                <a:ln>
-                  <a:solidFill>
-                    <a:schemeClr val="tx1"/>
-                  </a:solidFill>
-                </a:ln>
-              </p:spPr>
-              <p:style>
-                <a:lnRef idx="2">
-                  <a:schemeClr val="accent1">
-                    <a:shade val="50000"/>
-                  </a:schemeClr>
-                </a:lnRef>
-                <a:fillRef idx="1">
-                  <a:schemeClr val="accent1"/>
-                </a:fillRef>
-                <a:effectRef idx="0">
-                  <a:schemeClr val="accent1"/>
-                </a:effectRef>
-                <a:fontRef idx="minor">
-                  <a:schemeClr val="lt1"/>
-                </a:fontRef>
-              </p:style>
-              <p:txBody>
-                <a:bodyPr rot="0" spcFirstLastPara="0" vertOverflow="overflow" horzOverflow="overflow" vert="horz" wrap="square" lIns="91440" tIns="45720" rIns="91440" bIns="45720" numCol="1" spcCol="0" rtlCol="0" fromWordArt="0" anchor="ctr" anchorCtr="0" forceAA="0" compatLnSpc="1">
-                  <a:prstTxWarp prst="textNoShape">
-                    <a:avLst/>
-                  </a:prstTxWarp>
-                  <a:noAutofit/>
-                </a:bodyPr>
-                <a:lstStyle/>
-                <a:p>
-                  <a:pPr algn="ctr"/>
-                  <a:endParaRPr lang="de-DE">
-                    <a:latin typeface="CMU Sans Serif" panose="02000603000000000000" pitchFamily="2" charset="0"/>
-                    <a:ea typeface="CMU Sans Serif" panose="02000603000000000000" pitchFamily="2" charset="0"/>
-                    <a:cs typeface="CMU Sans Serif" panose="02000603000000000000" pitchFamily="2" charset="0"/>
-                  </a:endParaRPr>
-                </a:p>
-              </p:txBody>
-            </p:sp>
-            <p:sp>
-              <p:nvSpPr>
-                <p:cNvPr id="16" name="Ellipse 15">
-                  <a:extLst>
-                    <a:ext uri="{FF2B5EF4-FFF2-40B4-BE49-F238E27FC236}">
-                      <a16:creationId xmlns:a16="http://schemas.microsoft.com/office/drawing/2014/main" id="{001B8C88-F206-4813-A1C0-990923DFEF0F}"/>
-                    </a:ext>
-                  </a:extLst>
-                </p:cNvPr>
-                <p:cNvSpPr/>
-                <p:nvPr/>
-              </p:nvSpPr>
-              <p:spPr>
-                <a:xfrm>
-                  <a:off x="7948567" y="2569128"/>
-                  <a:ext cx="1107347" cy="2206305"/>
-                </a:xfrm>
-                <a:prstGeom prst="ellipse">
-                  <a:avLst/>
-                </a:prstGeom>
-                <a:solidFill>
-                  <a:schemeClr val="bg1"/>
-                </a:solidFill>
-                <a:ln>
-                  <a:solidFill>
-                    <a:schemeClr val="tx1"/>
-                  </a:solidFill>
-                </a:ln>
-              </p:spPr>
-              <p:style>
-                <a:lnRef idx="2">
-                  <a:schemeClr val="accent1">
-                    <a:shade val="50000"/>
-                  </a:schemeClr>
-                </a:lnRef>
-                <a:fillRef idx="1">
-                  <a:schemeClr val="accent1"/>
-                </a:fillRef>
-                <a:effectRef idx="0">
-                  <a:schemeClr val="accent1"/>
-                </a:effectRef>
-                <a:fontRef idx="minor">
-                  <a:schemeClr val="lt1"/>
-                </a:fontRef>
-              </p:style>
-              <p:txBody>
-                <a:bodyPr rot="0" spcFirstLastPara="0" vertOverflow="overflow" horzOverflow="overflow" vert="horz" wrap="square" lIns="91440" tIns="45720" rIns="91440" bIns="45720" numCol="1" spcCol="0" rtlCol="0" fromWordArt="0" anchor="ctr" anchorCtr="0" forceAA="0" compatLnSpc="1">
-                  <a:prstTxWarp prst="textNoShape">
-                    <a:avLst/>
-                  </a:prstTxWarp>
-                  <a:noAutofit/>
-                </a:bodyPr>
-                <a:lstStyle/>
-                <a:p>
-                  <a:pPr algn="ctr"/>
-                  <a:endParaRPr lang="de-DE">
-                    <a:latin typeface="CMU Sans Serif" panose="02000603000000000000" pitchFamily="2" charset="0"/>
-                    <a:ea typeface="CMU Sans Serif" panose="02000603000000000000" pitchFamily="2" charset="0"/>
-                    <a:cs typeface="CMU Sans Serif" panose="02000603000000000000" pitchFamily="2" charset="0"/>
-                  </a:endParaRPr>
-                </a:p>
-              </p:txBody>
-            </p:sp>
-          </p:grpSp>
-          <p:sp>
-            <p:nvSpPr>
-              <p:cNvPr id="22" name="Textfeld 21">
-                <a:extLst>
-                  <a:ext uri="{FF2B5EF4-FFF2-40B4-BE49-F238E27FC236}">
-                    <a16:creationId xmlns:a16="http://schemas.microsoft.com/office/drawing/2014/main" id="{E6B1B6D5-937F-4606-A1AC-97B21F38D12E}"/>
-                  </a:ext>
-                </a:extLst>
-              </p:cNvPr>
-              <p:cNvSpPr txBox="1"/>
-              <p:nvPr/>
-            </p:nvSpPr>
-            <p:spPr>
-              <a:xfrm>
-                <a:off x="5169766" y="3162650"/>
-                <a:ext cx="356188" cy="1015663"/>
-              </a:xfrm>
-              <a:prstGeom prst="rect">
-                <a:avLst/>
-              </a:prstGeom>
-              <a:noFill/>
-            </p:spPr>
-            <p:txBody>
-              <a:bodyPr wrap="none" rtlCol="0">
-                <a:spAutoFit/>
-              </a:bodyPr>
-              <a:lstStyle/>
-              <a:p>
-                <a:r>
-                  <a:rPr lang="de-DE" sz="2000" dirty="0">
-                    <a:latin typeface="CMU Sans Serif" panose="02000603000000000000" pitchFamily="2" charset="0"/>
-                    <a:ea typeface="CMU Sans Serif" panose="02000603000000000000" pitchFamily="2" charset="0"/>
-                    <a:cs typeface="CMU Sans Serif" panose="02000603000000000000" pitchFamily="2" charset="0"/>
-                  </a:rPr>
-                  <a:t>A</a:t>
-                </a:r>
-              </a:p>
-              <a:p>
-                <a:endParaRPr lang="de-DE" sz="2000" dirty="0">
-                  <a:latin typeface="CMU Sans Serif" panose="02000603000000000000" pitchFamily="2" charset="0"/>
-                  <a:ea typeface="CMU Sans Serif" panose="02000603000000000000" pitchFamily="2" charset="0"/>
-                  <a:cs typeface="CMU Sans Serif" panose="02000603000000000000" pitchFamily="2" charset="0"/>
-                </a:endParaRPr>
-              </a:p>
-              <a:p>
-                <a:r>
-                  <a:rPr lang="de-DE" sz="2000" dirty="0">
-                    <a:latin typeface="CMU Sans Serif" panose="02000603000000000000" pitchFamily="2" charset="0"/>
-                    <a:ea typeface="CMU Sans Serif" panose="02000603000000000000" pitchFamily="2" charset="0"/>
-                    <a:cs typeface="CMU Sans Serif" panose="02000603000000000000" pitchFamily="2" charset="0"/>
-                  </a:rPr>
-                  <a:t>B</a:t>
-                </a:r>
-              </a:p>
-            </p:txBody>
-          </p:sp>
-        </p:grpSp>
-        <p:sp>
-          <p:nvSpPr>
-            <p:cNvPr id="35" name="Textfeld 34">
-              <a:extLst>
-                <a:ext uri="{FF2B5EF4-FFF2-40B4-BE49-F238E27FC236}">
-                  <a16:creationId xmlns:a16="http://schemas.microsoft.com/office/drawing/2014/main" id="{FA51C422-E757-4835-83D5-DABB578757F8}"/>
+                  <a16:creationId xmlns:a16="http://schemas.microsoft.com/office/drawing/2014/main" id="{A22C2C6A-E3DC-4B86-B2AD-608882FB3305}"/>
                 </a:ext>
               </a:extLst>
             </p:cNvPr>
@@ -3934,8 +3776,8 @@
           </p:nvSpPr>
           <p:spPr>
             <a:xfrm>
-              <a:off x="652650" y="3765888"/>
-              <a:ext cx="314510" cy="1631216"/>
+              <a:off x="181643" y="403606"/>
+              <a:ext cx="6332183" cy="343171"/>
             </a:xfrm>
             <a:prstGeom prst="rect">
               <a:avLst/>
@@ -3949,48 +3791,104 @@
             <a:lstStyle/>
             <a:p>
               <a:r>
-                <a:rPr lang="de-DE" sz="2000" dirty="0">
-                  <a:latin typeface="CMU Sans Serif" panose="02000603000000000000" pitchFamily="2" charset="0"/>
-                  <a:ea typeface="CMU Sans Serif" panose="02000603000000000000" pitchFamily="2" charset="0"/>
-                  <a:cs typeface="CMU Sans Serif" panose="02000603000000000000" pitchFamily="2" charset="0"/>
+                <a:rPr lang="de-DE" sz="1630" b="1" dirty="0">
+                  <a:latin typeface="CMU Bright" panose="02000603000000000000" pitchFamily="2" charset="0"/>
+                  <a:ea typeface="CMU Bright" panose="02000603000000000000" pitchFamily="2" charset="0"/>
+                  <a:cs typeface="CMU Bright" panose="02000603000000000000" pitchFamily="2" charset="0"/>
                 </a:rPr>
-                <a:t>1</a:t>
+                <a:t>   </a:t>
+              </a:r>
+              <a:r>
+                <a:rPr lang="de-DE" sz="1630" dirty="0">
+                  <a:latin typeface="CMU Bright" panose="02000603000000000000" pitchFamily="2" charset="0"/>
+                  <a:ea typeface="CMU Bright" panose="02000603000000000000" pitchFamily="2" charset="0"/>
+                  <a:cs typeface="CMU Bright" panose="02000603000000000000" pitchFamily="2" charset="0"/>
+                </a:rPr>
+                <a:t>    </a:t>
+              </a:r>
+              <a:r>
+                <a:rPr lang="de-DE" sz="1481" dirty="0">
+                  <a:latin typeface="CMU Bright" panose="02000603000000000000" pitchFamily="2" charset="0"/>
+                  <a:ea typeface="CMU Bright" panose="02000603000000000000" pitchFamily="2" charset="0"/>
+                  <a:cs typeface="CMU Bright" panose="02000603000000000000" pitchFamily="2" charset="0"/>
+                </a:rPr>
+                <a:t>Nicht-injektiv         </a:t>
+              </a:r>
+              <a:r>
+                <a:rPr lang="de-DE" sz="1481" b="1" dirty="0">
+                  <a:latin typeface="CMU Bright" panose="02000603000000000000" pitchFamily="2" charset="0"/>
+                  <a:ea typeface="CMU Bright" panose="02000603000000000000" pitchFamily="2" charset="0"/>
+                  <a:cs typeface="CMU Bright" panose="02000603000000000000" pitchFamily="2" charset="0"/>
+                </a:rPr>
+                <a:t>  </a:t>
+              </a:r>
+              <a:r>
+                <a:rPr lang="de-DE" sz="1481" dirty="0">
+                  <a:latin typeface="CMU Bright" panose="02000603000000000000" pitchFamily="2" charset="0"/>
+                  <a:ea typeface="CMU Bright" panose="02000603000000000000" pitchFamily="2" charset="0"/>
+                  <a:cs typeface="CMU Bright" panose="02000603000000000000" pitchFamily="2" charset="0"/>
+                </a:rPr>
+                <a:t>          Nicht-surjektiv                        Bijektiv</a:t>
               </a:r>
             </a:p>
+          </p:txBody>
+        </p:sp>
+        <p:sp>
+          <p:nvSpPr>
+            <p:cNvPr id="15" name="Ellipse 14">
+              <a:extLst>
+                <a:ext uri="{FF2B5EF4-FFF2-40B4-BE49-F238E27FC236}">
+                  <a16:creationId xmlns:a16="http://schemas.microsoft.com/office/drawing/2014/main" id="{679897F4-EEDF-4CE7-BD9A-FA17F0DC66A5}"/>
+                </a:ext>
+              </a:extLst>
+            </p:cNvPr>
+            <p:cNvSpPr/>
+            <p:nvPr/>
+          </p:nvSpPr>
+          <p:spPr>
+            <a:xfrm>
+              <a:off x="335570" y="800059"/>
+              <a:ext cx="820157" cy="1634100"/>
+            </a:xfrm>
+            <a:prstGeom prst="ellipse">
+              <a:avLst/>
+            </a:prstGeom>
+            <a:solidFill>
+              <a:schemeClr val="bg1"/>
+            </a:solidFill>
+            <a:ln w="3175">
+              <a:solidFill>
+                <a:schemeClr val="tx1"/>
+              </a:solidFill>
+            </a:ln>
+          </p:spPr>
+          <p:style>
+            <a:lnRef idx="2">
+              <a:schemeClr val="accent1">
+                <a:shade val="50000"/>
+              </a:schemeClr>
+            </a:lnRef>
+            <a:fillRef idx="1">
+              <a:schemeClr val="accent1"/>
+            </a:fillRef>
+            <a:effectRef idx="0">
+              <a:schemeClr val="accent1"/>
+            </a:effectRef>
+            <a:fontRef idx="minor">
+              <a:schemeClr val="lt1"/>
+            </a:fontRef>
+          </p:style>
+          <p:txBody>
+            <a:bodyPr rot="0" spcFirstLastPara="0" vertOverflow="overflow" horzOverflow="overflow" vert="horz" wrap="square" lIns="67725" tIns="33863" rIns="67725" bIns="33863" numCol="1" spcCol="0" rtlCol="0" fromWordArt="0" anchor="ctr" anchorCtr="0" forceAA="0" compatLnSpc="1">
+              <a:prstTxWarp prst="textNoShape">
+                <a:avLst/>
+              </a:prstTxWarp>
+              <a:noAutofit/>
+            </a:bodyPr>
+            <a:lstStyle/>
             <a:p>
-              <a:endParaRPr lang="de-DE" sz="2000" dirty="0">
-                <a:latin typeface="CMU Sans Serif" panose="02000603000000000000" pitchFamily="2" charset="0"/>
-                <a:ea typeface="CMU Sans Serif" panose="02000603000000000000" pitchFamily="2" charset="0"/>
-                <a:cs typeface="CMU Sans Serif" panose="02000603000000000000" pitchFamily="2" charset="0"/>
-              </a:endParaRPr>
-            </a:p>
-            <a:p>
-              <a:r>
-                <a:rPr lang="de-DE" sz="2000" dirty="0">
-                  <a:latin typeface="CMU Sans Serif" panose="02000603000000000000" pitchFamily="2" charset="0"/>
-                  <a:ea typeface="CMU Sans Serif" panose="02000603000000000000" pitchFamily="2" charset="0"/>
-                  <a:cs typeface="CMU Sans Serif" panose="02000603000000000000" pitchFamily="2" charset="0"/>
-                </a:rPr>
-                <a:t>2</a:t>
-              </a:r>
-            </a:p>
-            <a:p>
-              <a:endParaRPr lang="de-DE" sz="2000" dirty="0">
-                <a:latin typeface="CMU Sans Serif" panose="02000603000000000000" pitchFamily="2" charset="0"/>
-                <a:ea typeface="CMU Sans Serif" panose="02000603000000000000" pitchFamily="2" charset="0"/>
-                <a:cs typeface="CMU Sans Serif" panose="02000603000000000000" pitchFamily="2" charset="0"/>
-              </a:endParaRPr>
-            </a:p>
-            <a:p>
-              <a:r>
-                <a:rPr lang="de-DE" sz="2000" dirty="0">
-                  <a:latin typeface="CMU Sans Serif" panose="02000603000000000000" pitchFamily="2" charset="0"/>
-                  <a:ea typeface="CMU Sans Serif" panose="02000603000000000000" pitchFamily="2" charset="0"/>
-                  <a:cs typeface="CMU Sans Serif" panose="02000603000000000000" pitchFamily="2" charset="0"/>
-                </a:rPr>
-                <a:t>3</a:t>
-              </a:r>
-              <a:endParaRPr lang="de-DE" dirty="0">
+              <a:pPr algn="ctr"/>
+              <a:endParaRPr lang="de-DE" sz="1037">
                 <a:latin typeface="CMU Sans Serif" panose="02000603000000000000" pitchFamily="2" charset="0"/>
                 <a:ea typeface="CMU Sans Serif" panose="02000603000000000000" pitchFamily="2" charset="0"/>
                 <a:cs typeface="CMU Sans Serif" panose="02000603000000000000" pitchFamily="2" charset="0"/>
@@ -3998,6 +3896,381 @@
             </a:p>
           </p:txBody>
         </p:sp>
+        <p:sp>
+          <p:nvSpPr>
+            <p:cNvPr id="16" name="Ellipse 15">
+              <a:extLst>
+                <a:ext uri="{FF2B5EF4-FFF2-40B4-BE49-F238E27FC236}">
+                  <a16:creationId xmlns:a16="http://schemas.microsoft.com/office/drawing/2014/main" id="{001B8C88-F206-4813-A1C0-990923DFEF0F}"/>
+                </a:ext>
+              </a:extLst>
+            </p:cNvPr>
+            <p:cNvSpPr/>
+            <p:nvPr/>
+          </p:nvSpPr>
+          <p:spPr>
+            <a:xfrm>
+              <a:off x="1343161" y="800059"/>
+              <a:ext cx="820157" cy="1634100"/>
+            </a:xfrm>
+            <a:prstGeom prst="ellipse">
+              <a:avLst/>
+            </a:prstGeom>
+            <a:solidFill>
+              <a:schemeClr val="bg1"/>
+            </a:solidFill>
+            <a:ln w="3175">
+              <a:solidFill>
+                <a:schemeClr val="tx1"/>
+              </a:solidFill>
+            </a:ln>
+          </p:spPr>
+          <p:style>
+            <a:lnRef idx="2">
+              <a:schemeClr val="accent1">
+                <a:shade val="50000"/>
+              </a:schemeClr>
+            </a:lnRef>
+            <a:fillRef idx="1">
+              <a:schemeClr val="accent1"/>
+            </a:fillRef>
+            <a:effectRef idx="0">
+              <a:schemeClr val="accent1"/>
+            </a:effectRef>
+            <a:fontRef idx="minor">
+              <a:schemeClr val="lt1"/>
+            </a:fontRef>
+          </p:style>
+          <p:txBody>
+            <a:bodyPr rot="0" spcFirstLastPara="0" vertOverflow="overflow" horzOverflow="overflow" vert="horz" wrap="square" lIns="67725" tIns="33863" rIns="67725" bIns="33863" numCol="1" spcCol="0" rtlCol="0" fromWordArt="0" anchor="ctr" anchorCtr="0" forceAA="0" compatLnSpc="1">
+              <a:prstTxWarp prst="textNoShape">
+                <a:avLst/>
+              </a:prstTxWarp>
+              <a:noAutofit/>
+            </a:bodyPr>
+            <a:lstStyle/>
+            <a:p>
+              <a:pPr algn="ctr"/>
+              <a:endParaRPr lang="de-DE" sz="1037">
+                <a:latin typeface="CMU Sans Serif" panose="02000603000000000000" pitchFamily="2" charset="0"/>
+                <a:ea typeface="CMU Sans Serif" panose="02000603000000000000" pitchFamily="2" charset="0"/>
+                <a:cs typeface="CMU Sans Serif" panose="02000603000000000000" pitchFamily="2" charset="0"/>
+              </a:endParaRPr>
+            </a:p>
+          </p:txBody>
+        </p:sp>
+        <mc:AlternateContent xmlns:mc="http://schemas.openxmlformats.org/markup-compatibility/2006">
+          <mc:Choice xmlns:a14="http://schemas.microsoft.com/office/drawing/2010/main" Requires="a14">
+            <p:sp>
+              <p:nvSpPr>
+                <p:cNvPr id="22" name="Textfeld 21">
+                  <a:extLst>
+                    <a:ext uri="{FF2B5EF4-FFF2-40B4-BE49-F238E27FC236}">
+                      <a16:creationId xmlns:a16="http://schemas.microsoft.com/office/drawing/2014/main" id="{E6B1B6D5-937F-4606-A1AC-97B21F38D12E}"/>
+                    </a:ext>
+                  </a:extLst>
+                </p:cNvPr>
+                <p:cNvSpPr txBox="1"/>
+                <p:nvPr/>
+              </p:nvSpPr>
+              <p:spPr>
+                <a:xfrm>
+                  <a:off x="1565976" y="1239653"/>
+                  <a:ext cx="410562" cy="775982"/>
+                </a:xfrm>
+                <a:prstGeom prst="rect">
+                  <a:avLst/>
+                </a:prstGeom>
+                <a:noFill/>
+                <a:ln w="3175">
+                  <a:noFill/>
+                </a:ln>
+              </p:spPr>
+              <p:txBody>
+                <a:bodyPr wrap="none" rtlCol="0">
+                  <a:spAutoFit/>
+                </a:bodyPr>
+                <a:lstStyle/>
+                <a:p>
+                  <a:pPr/>
+                  <a14:m>
+                    <m:oMathPara xmlns:m="http://schemas.openxmlformats.org/officeDocument/2006/math">
+                      <m:oMathParaPr>
+                        <m:jc m:val="centerGroup"/>
+                      </m:oMathParaPr>
+                      <m:oMath xmlns:m="http://schemas.openxmlformats.org/officeDocument/2006/math">
+                        <m:r>
+                          <a:rPr lang="de-DE" sz="1481" i="1" dirty="0">
+                            <a:latin typeface="Cambria Math" panose="02040503050406030204" pitchFamily="18" charset="0"/>
+                            <a:ea typeface="CMU Sans Serif" panose="02000603000000000000" pitchFamily="2" charset="0"/>
+                            <a:cs typeface="CMU Sans Serif" panose="02000603000000000000" pitchFamily="2" charset="0"/>
+                          </a:rPr>
+                          <m:t>𝑎</m:t>
+                        </m:r>
+                      </m:oMath>
+                    </m:oMathPara>
+                  </a14:m>
+                  <a:endParaRPr lang="de-DE" sz="1481" dirty="0">
+                    <a:latin typeface="CMU Sans Serif" panose="02000603000000000000" pitchFamily="2" charset="0"/>
+                    <a:ea typeface="CMU Sans Serif" panose="02000603000000000000" pitchFamily="2" charset="0"/>
+                    <a:cs typeface="CMU Sans Serif" panose="02000603000000000000" pitchFamily="2" charset="0"/>
+                  </a:endParaRPr>
+                </a:p>
+                <a:p>
+                  <a:endParaRPr lang="de-DE" sz="1481" dirty="0">
+                    <a:latin typeface="CMU Sans Serif" panose="02000603000000000000" pitchFamily="2" charset="0"/>
+                    <a:ea typeface="CMU Sans Serif" panose="02000603000000000000" pitchFamily="2" charset="0"/>
+                    <a:cs typeface="CMU Sans Serif" panose="02000603000000000000" pitchFamily="2" charset="0"/>
+                  </a:endParaRPr>
+                </a:p>
+                <a:p>
+                  <a:pPr/>
+                  <a14:m>
+                    <m:oMathPara xmlns:m="http://schemas.openxmlformats.org/officeDocument/2006/math">
+                      <m:oMathParaPr>
+                        <m:jc m:val="centerGroup"/>
+                      </m:oMathParaPr>
+                      <m:oMath xmlns:m="http://schemas.openxmlformats.org/officeDocument/2006/math">
+                        <m:r>
+                          <a:rPr lang="de-DE" sz="1481" i="1" dirty="0">
+                            <a:latin typeface="Cambria Math" panose="02040503050406030204" pitchFamily="18" charset="0"/>
+                            <a:ea typeface="CMU Sans Serif" panose="02000603000000000000" pitchFamily="2" charset="0"/>
+                            <a:cs typeface="CMU Sans Serif" panose="02000603000000000000" pitchFamily="2" charset="0"/>
+                          </a:rPr>
+                          <m:t>𝑏</m:t>
+                        </m:r>
+                      </m:oMath>
+                    </m:oMathPara>
+                  </a14:m>
+                  <a:endParaRPr lang="de-DE" sz="1481" dirty="0">
+                    <a:latin typeface="CMU Sans Serif" panose="02000603000000000000" pitchFamily="2" charset="0"/>
+                    <a:ea typeface="CMU Sans Serif" panose="02000603000000000000" pitchFamily="2" charset="0"/>
+                    <a:cs typeface="CMU Sans Serif" panose="02000603000000000000" pitchFamily="2" charset="0"/>
+                  </a:endParaRPr>
+                </a:p>
+              </p:txBody>
+            </p:sp>
+          </mc:Choice>
+          <mc:Fallback>
+            <p:sp>
+              <p:nvSpPr>
+                <p:cNvPr id="22" name="Textfeld 21">
+                  <a:extLst>
+                    <a:ext uri="{FF2B5EF4-FFF2-40B4-BE49-F238E27FC236}">
+                      <a16:creationId xmlns:a16="http://schemas.microsoft.com/office/drawing/2014/main" id="{E6B1B6D5-937F-4606-A1AC-97B21F38D12E}"/>
+                    </a:ext>
+                  </a:extLst>
+                </p:cNvPr>
+                <p:cNvSpPr txBox="1">
+                  <a:spLocks noRot="1" noChangeAspect="1" noMove="1" noResize="1" noEditPoints="1" noAdjustHandles="1" noChangeArrowheads="1" noChangeShapeType="1" noTextEdit="1"/>
+                </p:cNvSpPr>
+                <p:nvPr/>
+              </p:nvSpPr>
+              <p:spPr>
+                <a:xfrm>
+                  <a:off x="1565976" y="1239653"/>
+                  <a:ext cx="410562" cy="775982"/>
+                </a:xfrm>
+                <a:prstGeom prst="rect">
+                  <a:avLst/>
+                </a:prstGeom>
+                <a:blipFill>
+                  <a:blip r:embed="rId4"/>
+                  <a:stretch>
+                    <a:fillRect/>
+                  </a:stretch>
+                </a:blipFill>
+                <a:ln w="3175">
+                  <a:noFill/>
+                </a:ln>
+              </p:spPr>
+              <p:txBody>
+                <a:bodyPr/>
+                <a:lstStyle/>
+                <a:p>
+                  <a:r>
+                    <a:rPr lang="de-DE">
+                      <a:noFill/>
+                    </a:rPr>
+                    <a:t> </a:t>
+                  </a:r>
+                </a:p>
+              </p:txBody>
+            </p:sp>
+          </mc:Fallback>
+        </mc:AlternateContent>
+        <mc:AlternateContent xmlns:mc="http://schemas.openxmlformats.org/markup-compatibility/2006">
+          <mc:Choice xmlns:a14="http://schemas.microsoft.com/office/drawing/2010/main" Requires="a14">
+            <p:sp>
+              <p:nvSpPr>
+                <p:cNvPr id="35" name="Textfeld 34">
+                  <a:extLst>
+                    <a:ext uri="{FF2B5EF4-FFF2-40B4-BE49-F238E27FC236}">
+                      <a16:creationId xmlns:a16="http://schemas.microsoft.com/office/drawing/2014/main" id="{FA51C422-E757-4835-83D5-DABB578757F8}"/>
+                    </a:ext>
+                  </a:extLst>
+                </p:cNvPr>
+                <p:cNvSpPr txBox="1"/>
+                <p:nvPr/>
+              </p:nvSpPr>
+              <p:spPr>
+                <a:xfrm>
+                  <a:off x="557936" y="1004031"/>
+                  <a:ext cx="407484" cy="1231747"/>
+                </a:xfrm>
+                <a:prstGeom prst="rect">
+                  <a:avLst/>
+                </a:prstGeom>
+                <a:noFill/>
+                <a:ln w="3175">
+                  <a:noFill/>
+                </a:ln>
+              </p:spPr>
+              <p:txBody>
+                <a:bodyPr wrap="none" rtlCol="0">
+                  <a:spAutoFit/>
+                </a:bodyPr>
+                <a:lstStyle/>
+                <a:p>
+                  <a:pPr/>
+                  <a14:m>
+                    <m:oMathPara xmlns:m="http://schemas.openxmlformats.org/officeDocument/2006/math">
+                      <m:oMathParaPr>
+                        <m:jc m:val="centerGroup"/>
+                      </m:oMathParaPr>
+                      <m:oMath xmlns:m="http://schemas.openxmlformats.org/officeDocument/2006/math">
+                        <m:r>
+                          <a:rPr lang="de-DE" sz="1481" i="1" dirty="0">
+                            <a:latin typeface="Cambria Math" panose="02040503050406030204" pitchFamily="18" charset="0"/>
+                            <a:ea typeface="CMU Sans Serif" panose="02000603000000000000" pitchFamily="2" charset="0"/>
+                            <a:cs typeface="CMU Sans Serif" panose="02000603000000000000" pitchFamily="2" charset="0"/>
+                          </a:rPr>
+                          <m:t>1</m:t>
+                        </m:r>
+                      </m:oMath>
+                    </m:oMathPara>
+                  </a14:m>
+                  <a:endParaRPr lang="de-DE" sz="1481" dirty="0">
+                    <a:latin typeface="CMU Sans Serif" panose="02000603000000000000" pitchFamily="2" charset="0"/>
+                    <a:ea typeface="CMU Sans Serif" panose="02000603000000000000" pitchFamily="2" charset="0"/>
+                    <a:cs typeface="CMU Sans Serif" panose="02000603000000000000" pitchFamily="2" charset="0"/>
+                  </a:endParaRPr>
+                </a:p>
+                <a:p>
+                  <a:endParaRPr lang="de-DE" sz="1481" dirty="0">
+                    <a:latin typeface="CMU Sans Serif" panose="02000603000000000000" pitchFamily="2" charset="0"/>
+                    <a:ea typeface="CMU Sans Serif" panose="02000603000000000000" pitchFamily="2" charset="0"/>
+                    <a:cs typeface="CMU Sans Serif" panose="02000603000000000000" pitchFamily="2" charset="0"/>
+                  </a:endParaRPr>
+                </a:p>
+                <a:p>
+                  <a:pPr/>
+                  <a14:m>
+                    <m:oMathPara xmlns:m="http://schemas.openxmlformats.org/officeDocument/2006/math">
+                      <m:oMathParaPr>
+                        <m:jc m:val="centerGroup"/>
+                      </m:oMathParaPr>
+                      <m:oMath xmlns:m="http://schemas.openxmlformats.org/officeDocument/2006/math">
+                        <m:r>
+                          <a:rPr lang="de-DE" sz="1481" i="1" dirty="0">
+                            <a:latin typeface="Cambria Math" panose="02040503050406030204" pitchFamily="18" charset="0"/>
+                            <a:ea typeface="CMU Sans Serif" panose="02000603000000000000" pitchFamily="2" charset="0"/>
+                            <a:cs typeface="CMU Sans Serif" panose="02000603000000000000" pitchFamily="2" charset="0"/>
+                          </a:rPr>
+                          <m:t>2</m:t>
+                        </m:r>
+                      </m:oMath>
+                    </m:oMathPara>
+                  </a14:m>
+                  <a:endParaRPr lang="de-DE" sz="1481" dirty="0">
+                    <a:latin typeface="CMU Sans Serif" panose="02000603000000000000" pitchFamily="2" charset="0"/>
+                    <a:ea typeface="CMU Sans Serif" panose="02000603000000000000" pitchFamily="2" charset="0"/>
+                    <a:cs typeface="CMU Sans Serif" panose="02000603000000000000" pitchFamily="2" charset="0"/>
+                  </a:endParaRPr>
+                </a:p>
+                <a:p>
+                  <a:endParaRPr lang="de-DE" sz="1481" dirty="0">
+                    <a:latin typeface="CMU Sans Serif" panose="02000603000000000000" pitchFamily="2" charset="0"/>
+                    <a:ea typeface="CMU Sans Serif" panose="02000603000000000000" pitchFamily="2" charset="0"/>
+                    <a:cs typeface="CMU Sans Serif" panose="02000603000000000000" pitchFamily="2" charset="0"/>
+                  </a:endParaRPr>
+                </a:p>
+                <a:p>
+                  <a:pPr/>
+                  <a14:m>
+                    <m:oMathPara xmlns:m="http://schemas.openxmlformats.org/officeDocument/2006/math">
+                      <m:oMathParaPr>
+                        <m:jc m:val="centerGroup"/>
+                      </m:oMathParaPr>
+                      <m:oMath xmlns:m="http://schemas.openxmlformats.org/officeDocument/2006/math">
+                        <m:r>
+                          <a:rPr lang="de-DE" sz="1481" i="1" dirty="0">
+                            <a:latin typeface="Cambria Math" panose="02040503050406030204" pitchFamily="18" charset="0"/>
+                            <a:ea typeface="CMU Sans Serif" panose="02000603000000000000" pitchFamily="2" charset="0"/>
+                            <a:cs typeface="CMU Sans Serif" panose="02000603000000000000" pitchFamily="2" charset="0"/>
+                          </a:rPr>
+                          <m:t>3</m:t>
+                        </m:r>
+                      </m:oMath>
+                    </m:oMathPara>
+                  </a14:m>
+                  <a:endParaRPr lang="de-DE" sz="1037" dirty="0">
+                    <a:latin typeface="CMU Sans Serif" panose="02000603000000000000" pitchFamily="2" charset="0"/>
+                    <a:ea typeface="CMU Sans Serif" panose="02000603000000000000" pitchFamily="2" charset="0"/>
+                    <a:cs typeface="CMU Sans Serif" panose="02000603000000000000" pitchFamily="2" charset="0"/>
+                  </a:endParaRPr>
+                </a:p>
+              </p:txBody>
+            </p:sp>
+          </mc:Choice>
+          <mc:Fallback>
+            <p:sp>
+              <p:nvSpPr>
+                <p:cNvPr id="35" name="Textfeld 34">
+                  <a:extLst>
+                    <a:ext uri="{FF2B5EF4-FFF2-40B4-BE49-F238E27FC236}">
+                      <a16:creationId xmlns:a16="http://schemas.microsoft.com/office/drawing/2014/main" id="{FA51C422-E757-4835-83D5-DABB578757F8}"/>
+                    </a:ext>
+                  </a:extLst>
+                </p:cNvPr>
+                <p:cNvSpPr txBox="1">
+                  <a:spLocks noRot="1" noChangeAspect="1" noMove="1" noResize="1" noEditPoints="1" noAdjustHandles="1" noChangeArrowheads="1" noChangeShapeType="1" noTextEdit="1"/>
+                </p:cNvSpPr>
+                <p:nvPr/>
+              </p:nvSpPr>
+              <p:spPr>
+                <a:xfrm>
+                  <a:off x="557936" y="1004031"/>
+                  <a:ext cx="407484" cy="1231747"/>
+                </a:xfrm>
+                <a:prstGeom prst="rect">
+                  <a:avLst/>
+                </a:prstGeom>
+                <a:blipFill>
+                  <a:blip r:embed="rId5"/>
+                  <a:stretch>
+                    <a:fillRect/>
+                  </a:stretch>
+                </a:blipFill>
+                <a:ln w="3175">
+                  <a:noFill/>
+                </a:ln>
+              </p:spPr>
+              <p:txBody>
+                <a:bodyPr/>
+                <a:lstStyle/>
+                <a:p>
+                  <a:r>
+                    <a:rPr lang="de-DE">
+                      <a:noFill/>
+                    </a:rPr>
+                    <a:t> </a:t>
+                  </a:r>
+                </a:p>
+              </p:txBody>
+            </p:sp>
+          </mc:Fallback>
+        </mc:AlternateContent>
         <p:cxnSp>
           <p:nvCxnSpPr>
             <p:cNvPr id="37" name="Gerade Verbindung mit Pfeil 36">
@@ -4014,13 +4287,13 @@
           </p:nvCxnSpPr>
           <p:spPr>
             <a:xfrm>
-              <a:off x="949347" y="3978446"/>
-              <a:ext cx="1115423" cy="236338"/>
+              <a:off x="848926" y="1161462"/>
+              <a:ext cx="826138" cy="175044"/>
             </a:xfrm>
             <a:prstGeom prst="straightConnector1">
               <a:avLst/>
             </a:prstGeom>
-            <a:ln w="12700">
+            <a:ln w="3175">
               <a:solidFill>
                 <a:schemeClr val="tx1">
                   <a:lumMod val="95000"/>
@@ -4062,13 +4335,13 @@
           </p:nvCxnSpPr>
           <p:spPr>
             <a:xfrm flipV="1">
-              <a:off x="967161" y="4335712"/>
-              <a:ext cx="1090133" cy="245784"/>
+              <a:off x="965420" y="1413896"/>
+              <a:ext cx="704254" cy="206009"/>
             </a:xfrm>
             <a:prstGeom prst="straightConnector1">
               <a:avLst/>
             </a:prstGeom>
-            <a:ln w="12700">
+            <a:ln w="3175">
               <a:solidFill>
                 <a:schemeClr val="tx1">
                   <a:lumMod val="95000"/>
@@ -4109,13 +4382,13 @@
           </p:nvCxnSpPr>
           <p:spPr>
             <a:xfrm flipV="1">
-              <a:off x="949347" y="4854165"/>
-              <a:ext cx="1115423" cy="307740"/>
+              <a:off x="848926" y="1810064"/>
+              <a:ext cx="826138" cy="227928"/>
             </a:xfrm>
             <a:prstGeom prst="straightConnector1">
               <a:avLst/>
             </a:prstGeom>
-            <a:ln w="12700">
+            <a:ln w="3175">
               <a:solidFill>
                 <a:schemeClr val="tx1">
                   <a:lumMod val="95000"/>
@@ -4140,304 +4413,531 @@
             </a:fontRef>
           </p:style>
         </p:cxnSp>
+        <mc:AlternateContent xmlns:mc="http://schemas.openxmlformats.org/markup-compatibility/2006">
+          <mc:Choice xmlns:a14="http://schemas.microsoft.com/office/drawing/2010/main" Requires="a14">
+            <p:sp>
+              <p:nvSpPr>
+                <p:cNvPr id="52" name="Textfeld 51">
+                  <a:extLst>
+                    <a:ext uri="{FF2B5EF4-FFF2-40B4-BE49-F238E27FC236}">
+                      <a16:creationId xmlns:a16="http://schemas.microsoft.com/office/drawing/2014/main" id="{443D7520-10BA-4086-8B5D-3974F52F25F1}"/>
+                    </a:ext>
+                  </a:extLst>
+                </p:cNvPr>
+                <p:cNvSpPr txBox="1"/>
+                <p:nvPr/>
+              </p:nvSpPr>
+              <p:spPr>
+                <a:xfrm>
+                  <a:off x="5392678" y="1004030"/>
+                  <a:ext cx="407484" cy="1231747"/>
+                </a:xfrm>
+                <a:prstGeom prst="rect">
+                  <a:avLst/>
+                </a:prstGeom>
+                <a:noFill/>
+                <a:ln w="3175">
+                  <a:noFill/>
+                </a:ln>
+              </p:spPr>
+              <p:txBody>
+                <a:bodyPr wrap="none" rtlCol="0">
+                  <a:spAutoFit/>
+                </a:bodyPr>
+                <a:lstStyle/>
+                <a:p>
+                  <a:pPr/>
+                  <a14:m>
+                    <m:oMathPara xmlns:m="http://schemas.openxmlformats.org/officeDocument/2006/math">
+                      <m:oMathParaPr>
+                        <m:jc m:val="centerGroup"/>
+                      </m:oMathParaPr>
+                      <m:oMath xmlns:m="http://schemas.openxmlformats.org/officeDocument/2006/math">
+                        <m:r>
+                          <a:rPr lang="de-DE" sz="1481" i="1" dirty="0">
+                            <a:latin typeface="Cambria Math" panose="02040503050406030204" pitchFamily="18" charset="0"/>
+                            <a:ea typeface="CMU Sans Serif" panose="02000603000000000000" pitchFamily="2" charset="0"/>
+                            <a:cs typeface="CMU Sans Serif" panose="02000603000000000000" pitchFamily="2" charset="0"/>
+                          </a:rPr>
+                          <m:t>1</m:t>
+                        </m:r>
+                      </m:oMath>
+                    </m:oMathPara>
+                  </a14:m>
+                  <a:endParaRPr lang="de-DE" sz="1481" dirty="0">
+                    <a:latin typeface="CMU Sans Serif" panose="02000603000000000000" pitchFamily="2" charset="0"/>
+                    <a:ea typeface="CMU Sans Serif" panose="02000603000000000000" pitchFamily="2" charset="0"/>
+                    <a:cs typeface="CMU Sans Serif" panose="02000603000000000000" pitchFamily="2" charset="0"/>
+                  </a:endParaRPr>
+                </a:p>
+                <a:p>
+                  <a:endParaRPr lang="de-DE" sz="1481" dirty="0">
+                    <a:latin typeface="CMU Sans Serif" panose="02000603000000000000" pitchFamily="2" charset="0"/>
+                    <a:ea typeface="CMU Sans Serif" panose="02000603000000000000" pitchFamily="2" charset="0"/>
+                    <a:cs typeface="CMU Sans Serif" panose="02000603000000000000" pitchFamily="2" charset="0"/>
+                  </a:endParaRPr>
+                </a:p>
+                <a:p>
+                  <a:pPr/>
+                  <a14:m>
+                    <m:oMathPara xmlns:m="http://schemas.openxmlformats.org/officeDocument/2006/math">
+                      <m:oMathParaPr>
+                        <m:jc m:val="centerGroup"/>
+                      </m:oMathParaPr>
+                      <m:oMath xmlns:m="http://schemas.openxmlformats.org/officeDocument/2006/math">
+                        <m:r>
+                          <a:rPr lang="de-DE" sz="1481" i="1" dirty="0">
+                            <a:latin typeface="Cambria Math" panose="02040503050406030204" pitchFamily="18" charset="0"/>
+                            <a:ea typeface="CMU Sans Serif" panose="02000603000000000000" pitchFamily="2" charset="0"/>
+                            <a:cs typeface="CMU Sans Serif" panose="02000603000000000000" pitchFamily="2" charset="0"/>
+                          </a:rPr>
+                          <m:t>2</m:t>
+                        </m:r>
+                      </m:oMath>
+                    </m:oMathPara>
+                  </a14:m>
+                  <a:endParaRPr lang="de-DE" sz="1481" dirty="0">
+                    <a:latin typeface="CMU Sans Serif" panose="02000603000000000000" pitchFamily="2" charset="0"/>
+                    <a:ea typeface="CMU Sans Serif" panose="02000603000000000000" pitchFamily="2" charset="0"/>
+                    <a:cs typeface="CMU Sans Serif" panose="02000603000000000000" pitchFamily="2" charset="0"/>
+                  </a:endParaRPr>
+                </a:p>
+                <a:p>
+                  <a:endParaRPr lang="de-DE" sz="1481" dirty="0">
+                    <a:latin typeface="CMU Sans Serif" panose="02000603000000000000" pitchFamily="2" charset="0"/>
+                    <a:ea typeface="CMU Sans Serif" panose="02000603000000000000" pitchFamily="2" charset="0"/>
+                    <a:cs typeface="CMU Sans Serif" panose="02000603000000000000" pitchFamily="2" charset="0"/>
+                  </a:endParaRPr>
+                </a:p>
+                <a:p>
+                  <a:pPr/>
+                  <a14:m>
+                    <m:oMathPara xmlns:m="http://schemas.openxmlformats.org/officeDocument/2006/math">
+                      <m:oMathParaPr>
+                        <m:jc m:val="centerGroup"/>
+                      </m:oMathParaPr>
+                      <m:oMath xmlns:m="http://schemas.openxmlformats.org/officeDocument/2006/math">
+                        <m:r>
+                          <a:rPr lang="de-DE" sz="1481" i="1" dirty="0">
+                            <a:latin typeface="Cambria Math" panose="02040503050406030204" pitchFamily="18" charset="0"/>
+                            <a:ea typeface="CMU Sans Serif" panose="02000603000000000000" pitchFamily="2" charset="0"/>
+                            <a:cs typeface="CMU Sans Serif" panose="02000603000000000000" pitchFamily="2" charset="0"/>
+                          </a:rPr>
+                          <m:t>3</m:t>
+                        </m:r>
+                      </m:oMath>
+                    </m:oMathPara>
+                  </a14:m>
+                  <a:endParaRPr lang="de-DE" sz="1037" dirty="0">
+                    <a:latin typeface="CMU Sans Serif" panose="02000603000000000000" pitchFamily="2" charset="0"/>
+                    <a:ea typeface="CMU Sans Serif" panose="02000603000000000000" pitchFamily="2" charset="0"/>
+                    <a:cs typeface="CMU Sans Serif" panose="02000603000000000000" pitchFamily="2" charset="0"/>
+                  </a:endParaRPr>
+                </a:p>
+              </p:txBody>
+            </p:sp>
+          </mc:Choice>
+          <mc:Fallback>
+            <p:sp>
+              <p:nvSpPr>
+                <p:cNvPr id="52" name="Textfeld 51">
+                  <a:extLst>
+                    <a:ext uri="{FF2B5EF4-FFF2-40B4-BE49-F238E27FC236}">
+                      <a16:creationId xmlns:a16="http://schemas.microsoft.com/office/drawing/2014/main" id="{443D7520-10BA-4086-8B5D-3974F52F25F1}"/>
+                    </a:ext>
+                  </a:extLst>
+                </p:cNvPr>
+                <p:cNvSpPr txBox="1">
+                  <a:spLocks noRot="1" noChangeAspect="1" noMove="1" noResize="1" noEditPoints="1" noAdjustHandles="1" noChangeArrowheads="1" noChangeShapeType="1" noTextEdit="1"/>
+                </p:cNvSpPr>
+                <p:nvPr/>
+              </p:nvSpPr>
+              <p:spPr>
+                <a:xfrm>
+                  <a:off x="5392678" y="1004030"/>
+                  <a:ext cx="407484" cy="1231747"/>
+                </a:xfrm>
+                <a:prstGeom prst="rect">
+                  <a:avLst/>
+                </a:prstGeom>
+                <a:blipFill>
+                  <a:blip r:embed="rId6"/>
+                  <a:stretch>
+                    <a:fillRect/>
+                  </a:stretch>
+                </a:blipFill>
+                <a:ln w="3175">
+                  <a:noFill/>
+                </a:ln>
+              </p:spPr>
+              <p:txBody>
+                <a:bodyPr/>
+                <a:lstStyle/>
+                <a:p>
+                  <a:r>
+                    <a:rPr lang="de-DE">
+                      <a:noFill/>
+                    </a:rPr>
+                    <a:t> </a:t>
+                  </a:r>
+                </a:p>
+              </p:txBody>
+            </p:sp>
+          </mc:Fallback>
+        </mc:AlternateContent>
+        <mc:AlternateContent xmlns:mc="http://schemas.openxmlformats.org/markup-compatibility/2006">
+          <mc:Choice xmlns:a14="http://schemas.microsoft.com/office/drawing/2010/main" Requires="a14">
+            <p:sp>
+              <p:nvSpPr>
+                <p:cNvPr id="53" name="Textfeld 52">
+                  <a:extLst>
+                    <a:ext uri="{FF2B5EF4-FFF2-40B4-BE49-F238E27FC236}">
+                      <a16:creationId xmlns:a16="http://schemas.microsoft.com/office/drawing/2014/main" id="{26F62585-C699-47D5-8D9B-1EAC9FE0E579}"/>
+                    </a:ext>
+                  </a:extLst>
+                </p:cNvPr>
+                <p:cNvSpPr txBox="1"/>
+                <p:nvPr/>
+              </p:nvSpPr>
+              <p:spPr>
+                <a:xfrm>
+                  <a:off x="6398730" y="1013027"/>
+                  <a:ext cx="412164" cy="1231747"/>
+                </a:xfrm>
+                <a:prstGeom prst="rect">
+                  <a:avLst/>
+                </a:prstGeom>
+                <a:noFill/>
+                <a:ln w="3175">
+                  <a:noFill/>
+                </a:ln>
+              </p:spPr>
+              <p:txBody>
+                <a:bodyPr wrap="none" rtlCol="0">
+                  <a:spAutoFit/>
+                </a:bodyPr>
+                <a:lstStyle/>
+                <a:p>
+                  <a:pPr/>
+                  <a14:m>
+                    <m:oMathPara xmlns:m="http://schemas.openxmlformats.org/officeDocument/2006/math">
+                      <m:oMathParaPr>
+                        <m:jc m:val="centerGroup"/>
+                      </m:oMathParaPr>
+                      <m:oMath xmlns:m="http://schemas.openxmlformats.org/officeDocument/2006/math">
+                        <m:r>
+                          <a:rPr lang="de-DE" sz="1481" i="1" dirty="0">
+                            <a:latin typeface="Cambria Math" panose="02040503050406030204" pitchFamily="18" charset="0"/>
+                            <a:ea typeface="CMU Sans Serif" panose="02000603000000000000" pitchFamily="2" charset="0"/>
+                            <a:cs typeface="CMU Sans Serif" panose="02000603000000000000" pitchFamily="2" charset="0"/>
+                          </a:rPr>
+                          <m:t>𝑎</m:t>
+                        </m:r>
+                      </m:oMath>
+                    </m:oMathPara>
+                  </a14:m>
+                  <a:endParaRPr lang="de-DE" sz="1481" dirty="0">
+                    <a:latin typeface="CMU Sans Serif" panose="02000603000000000000" pitchFamily="2" charset="0"/>
+                    <a:ea typeface="CMU Sans Serif" panose="02000603000000000000" pitchFamily="2" charset="0"/>
+                    <a:cs typeface="CMU Sans Serif" panose="02000603000000000000" pitchFamily="2" charset="0"/>
+                  </a:endParaRPr>
+                </a:p>
+                <a:p>
+                  <a:endParaRPr lang="de-DE" sz="1481" dirty="0">
+                    <a:latin typeface="CMU Sans Serif" panose="02000603000000000000" pitchFamily="2" charset="0"/>
+                    <a:ea typeface="CMU Sans Serif" panose="02000603000000000000" pitchFamily="2" charset="0"/>
+                    <a:cs typeface="CMU Sans Serif" panose="02000603000000000000" pitchFamily="2" charset="0"/>
+                  </a:endParaRPr>
+                </a:p>
+                <a:p>
+                  <a:pPr/>
+                  <a14:m>
+                    <m:oMathPara xmlns:m="http://schemas.openxmlformats.org/officeDocument/2006/math">
+                      <m:oMathParaPr>
+                        <m:jc m:val="centerGroup"/>
+                      </m:oMathParaPr>
+                      <m:oMath xmlns:m="http://schemas.openxmlformats.org/officeDocument/2006/math">
+                        <m:r>
+                          <a:rPr lang="de-DE" sz="1481" i="1" dirty="0">
+                            <a:latin typeface="Cambria Math" panose="02040503050406030204" pitchFamily="18" charset="0"/>
+                            <a:ea typeface="CMU Sans Serif" panose="02000603000000000000" pitchFamily="2" charset="0"/>
+                            <a:cs typeface="CMU Sans Serif" panose="02000603000000000000" pitchFamily="2" charset="0"/>
+                          </a:rPr>
+                          <m:t>𝑏</m:t>
+                        </m:r>
+                      </m:oMath>
+                    </m:oMathPara>
+                  </a14:m>
+                  <a:endParaRPr lang="de-DE" sz="1481" dirty="0">
+                    <a:latin typeface="CMU Sans Serif" panose="02000603000000000000" pitchFamily="2" charset="0"/>
+                    <a:ea typeface="CMU Sans Serif" panose="02000603000000000000" pitchFamily="2" charset="0"/>
+                    <a:cs typeface="CMU Sans Serif" panose="02000603000000000000" pitchFamily="2" charset="0"/>
+                  </a:endParaRPr>
+                </a:p>
+                <a:p>
+                  <a:endParaRPr lang="de-DE" sz="1481" dirty="0">
+                    <a:latin typeface="CMU Sans Serif" panose="02000603000000000000" pitchFamily="2" charset="0"/>
+                    <a:ea typeface="CMU Sans Serif" panose="02000603000000000000" pitchFamily="2" charset="0"/>
+                    <a:cs typeface="CMU Sans Serif" panose="02000603000000000000" pitchFamily="2" charset="0"/>
+                  </a:endParaRPr>
+                </a:p>
+                <a:p>
+                  <a:pPr/>
+                  <a14:m>
+                    <m:oMathPara xmlns:m="http://schemas.openxmlformats.org/officeDocument/2006/math">
+                      <m:oMathParaPr>
+                        <m:jc m:val="centerGroup"/>
+                      </m:oMathParaPr>
+                      <m:oMath xmlns:m="http://schemas.openxmlformats.org/officeDocument/2006/math">
+                        <m:r>
+                          <a:rPr lang="de-DE" sz="1481" i="1" dirty="0">
+                            <a:latin typeface="Cambria Math" panose="02040503050406030204" pitchFamily="18" charset="0"/>
+                            <a:ea typeface="CMU Sans Serif" panose="02000603000000000000" pitchFamily="2" charset="0"/>
+                            <a:cs typeface="CMU Sans Serif" panose="02000603000000000000" pitchFamily="2" charset="0"/>
+                          </a:rPr>
+                          <m:t>𝑐</m:t>
+                        </m:r>
+                      </m:oMath>
+                    </m:oMathPara>
+                  </a14:m>
+                  <a:endParaRPr lang="de-DE" sz="1037" dirty="0">
+                    <a:latin typeface="CMU Sans Serif" panose="02000603000000000000" pitchFamily="2" charset="0"/>
+                    <a:ea typeface="CMU Sans Serif" panose="02000603000000000000" pitchFamily="2" charset="0"/>
+                    <a:cs typeface="CMU Sans Serif" panose="02000603000000000000" pitchFamily="2" charset="0"/>
+                  </a:endParaRPr>
+                </a:p>
+              </p:txBody>
+            </p:sp>
+          </mc:Choice>
+          <mc:Fallback>
+            <p:sp>
+              <p:nvSpPr>
+                <p:cNvPr id="53" name="Textfeld 52">
+                  <a:extLst>
+                    <a:ext uri="{FF2B5EF4-FFF2-40B4-BE49-F238E27FC236}">
+                      <a16:creationId xmlns:a16="http://schemas.microsoft.com/office/drawing/2014/main" id="{26F62585-C699-47D5-8D9B-1EAC9FE0E579}"/>
+                    </a:ext>
+                  </a:extLst>
+                </p:cNvPr>
+                <p:cNvSpPr txBox="1">
+                  <a:spLocks noRot="1" noChangeAspect="1" noMove="1" noResize="1" noEditPoints="1" noAdjustHandles="1" noChangeArrowheads="1" noChangeShapeType="1" noTextEdit="1"/>
+                </p:cNvSpPr>
+                <p:nvPr/>
+              </p:nvSpPr>
+              <p:spPr>
+                <a:xfrm>
+                  <a:off x="6398730" y="1013027"/>
+                  <a:ext cx="412164" cy="1231747"/>
+                </a:xfrm>
+                <a:prstGeom prst="rect">
+                  <a:avLst/>
+                </a:prstGeom>
+                <a:blipFill>
+                  <a:blip r:embed="rId7"/>
+                  <a:stretch>
+                    <a:fillRect/>
+                  </a:stretch>
+                </a:blipFill>
+                <a:ln w="3175">
+                  <a:noFill/>
+                </a:ln>
+              </p:spPr>
+              <p:txBody>
+                <a:bodyPr/>
+                <a:lstStyle/>
+                <a:p>
+                  <a:r>
+                    <a:rPr lang="de-DE">
+                      <a:noFill/>
+                    </a:rPr>
+                    <a:t> </a:t>
+                  </a:r>
+                </a:p>
+              </p:txBody>
+            </p:sp>
+          </mc:Fallback>
+        </mc:AlternateContent>
+        <p:cxnSp>
+          <p:nvCxnSpPr>
+            <p:cNvPr id="54" name="Gerade Verbindung mit Pfeil 53">
+              <a:extLst>
+                <a:ext uri="{FF2B5EF4-FFF2-40B4-BE49-F238E27FC236}">
+                  <a16:creationId xmlns:a16="http://schemas.microsoft.com/office/drawing/2014/main" id="{F4A06154-BD4A-41D6-91E1-B33DB4A6ADB8}"/>
+                </a:ext>
+              </a:extLst>
+            </p:cNvPr>
+            <p:cNvCxnSpPr>
+              <a:cxnSpLocks/>
+            </p:cNvCxnSpPr>
+            <p:nvPr/>
+          </p:nvCxnSpPr>
+          <p:spPr>
+            <a:xfrm>
+              <a:off x="5695695" y="1139471"/>
+              <a:ext cx="787812" cy="0"/>
+            </a:xfrm>
+            <a:prstGeom prst="straightConnector1">
+              <a:avLst/>
+            </a:prstGeom>
+            <a:ln w="3175">
+              <a:solidFill>
+                <a:schemeClr val="tx1">
+                  <a:lumMod val="95000"/>
+                  <a:lumOff val="5000"/>
+                </a:schemeClr>
+              </a:solidFill>
+              <a:tailEnd type="triangle" w="med" len="med"/>
+            </a:ln>
+          </p:spPr>
+          <p:style>
+            <a:lnRef idx="1">
+              <a:schemeClr val="accent1"/>
+            </a:lnRef>
+            <a:fillRef idx="0">
+              <a:schemeClr val="accent1"/>
+            </a:fillRef>
+            <a:effectRef idx="0">
+              <a:schemeClr val="accent1"/>
+            </a:effectRef>
+            <a:fontRef idx="minor">
+              <a:schemeClr val="tx1"/>
+            </a:fontRef>
+          </p:style>
+        </p:cxnSp>
+        <p:cxnSp>
+          <p:nvCxnSpPr>
+            <p:cNvPr id="55" name="Gerade Verbindung mit Pfeil 54">
+              <a:extLst>
+                <a:ext uri="{FF2B5EF4-FFF2-40B4-BE49-F238E27FC236}">
+                  <a16:creationId xmlns:a16="http://schemas.microsoft.com/office/drawing/2014/main" id="{76C7868C-EFCE-4D11-9B3E-232EE31D9E37}"/>
+                </a:ext>
+              </a:extLst>
+            </p:cNvPr>
+            <p:cNvCxnSpPr>
+              <a:cxnSpLocks/>
+            </p:cNvCxnSpPr>
+            <p:nvPr/>
+          </p:nvCxnSpPr>
+          <p:spPr>
+            <a:xfrm>
+              <a:off x="5695695" y="1591679"/>
+              <a:ext cx="787812" cy="0"/>
+            </a:xfrm>
+            <a:prstGeom prst="straightConnector1">
+              <a:avLst/>
+            </a:prstGeom>
+            <a:ln w="3175">
+              <a:solidFill>
+                <a:schemeClr val="tx1">
+                  <a:lumMod val="95000"/>
+                  <a:lumOff val="5000"/>
+                </a:schemeClr>
+              </a:solidFill>
+              <a:tailEnd type="triangle" w="med" len="med"/>
+            </a:ln>
+          </p:spPr>
+          <p:style>
+            <a:lnRef idx="1">
+              <a:schemeClr val="accent1"/>
+            </a:lnRef>
+            <a:fillRef idx="0">
+              <a:schemeClr val="accent1"/>
+            </a:fillRef>
+            <a:effectRef idx="0">
+              <a:schemeClr val="accent1"/>
+            </a:effectRef>
+            <a:fontRef idx="minor">
+              <a:schemeClr val="tx1"/>
+            </a:fontRef>
+          </p:style>
+        </p:cxnSp>
+        <p:cxnSp>
+          <p:nvCxnSpPr>
+            <p:cNvPr id="56" name="Gerade Verbindung mit Pfeil 55">
+              <a:extLst>
+                <a:ext uri="{FF2B5EF4-FFF2-40B4-BE49-F238E27FC236}">
+                  <a16:creationId xmlns:a16="http://schemas.microsoft.com/office/drawing/2014/main" id="{A076910C-F01F-477C-9459-61317DBE8A2E}"/>
+                </a:ext>
+              </a:extLst>
+            </p:cNvPr>
+            <p:cNvCxnSpPr>
+              <a:cxnSpLocks/>
+            </p:cNvCxnSpPr>
+            <p:nvPr/>
+          </p:nvCxnSpPr>
+          <p:spPr>
+            <a:xfrm>
+              <a:off x="5695695" y="2040759"/>
+              <a:ext cx="787812" cy="0"/>
+            </a:xfrm>
+            <a:prstGeom prst="straightConnector1">
+              <a:avLst/>
+            </a:prstGeom>
+            <a:ln w="3175">
+              <a:solidFill>
+                <a:schemeClr val="tx1">
+                  <a:lumMod val="95000"/>
+                  <a:lumOff val="5000"/>
+                </a:schemeClr>
+              </a:solidFill>
+              <a:tailEnd type="triangle" w="med" len="med"/>
+            </a:ln>
+          </p:spPr>
+          <p:style>
+            <a:lnRef idx="1">
+              <a:schemeClr val="accent1"/>
+            </a:lnRef>
+            <a:fillRef idx="0">
+              <a:schemeClr val="accent1"/>
+            </a:fillRef>
+            <a:effectRef idx="0">
+              <a:schemeClr val="accent1"/>
+            </a:effectRef>
+            <a:fontRef idx="minor">
+              <a:schemeClr val="tx1"/>
+            </a:fontRef>
+          </p:style>
+        </p:cxnSp>
+        <p:sp>
+          <p:nvSpPr>
+            <p:cNvPr id="4" name="Textfeld 3">
+              <a:extLst>
+                <a:ext uri="{FF2B5EF4-FFF2-40B4-BE49-F238E27FC236}">
+                  <a16:creationId xmlns:a16="http://schemas.microsoft.com/office/drawing/2014/main" id="{FD6539BD-CF44-782A-7504-E2AD747BE939}"/>
+                </a:ext>
+              </a:extLst>
+            </p:cNvPr>
+            <p:cNvSpPr txBox="1"/>
+            <p:nvPr/>
+          </p:nvSpPr>
+          <p:spPr>
+            <a:xfrm>
+              <a:off x="57788" y="231945"/>
+              <a:ext cx="5240537" cy="320216"/>
+            </a:xfrm>
+            <a:prstGeom prst="rect">
+              <a:avLst/>
+            </a:prstGeom>
+            <a:noFill/>
+          </p:spPr>
+          <p:txBody>
+            <a:bodyPr wrap="none" rtlCol="0">
+              <a:spAutoFit/>
+            </a:bodyPr>
+            <a:lstStyle/>
+            <a:p>
+              <a:r>
+                <a:rPr lang="de-DE" sz="1481" dirty="0">
+                  <a:latin typeface="CMU Bright" panose="02000603000000000000" pitchFamily="2" charset="0"/>
+                  <a:ea typeface="CMU Bright" panose="02000603000000000000" pitchFamily="2" charset="0"/>
+                  <a:cs typeface="CMU Bright" panose="02000603000000000000" pitchFamily="2" charset="0"/>
+                </a:rPr>
+                <a:t>A					  B			   		    C</a:t>
+              </a:r>
+            </a:p>
+          </p:txBody>
+        </p:sp>
       </p:grpSp>
-      <p:sp>
-        <p:nvSpPr>
-          <p:cNvPr id="52" name="Textfeld 51">
-            <a:extLst>
-              <a:ext uri="{FF2B5EF4-FFF2-40B4-BE49-F238E27FC236}">
-                <a16:creationId xmlns:a16="http://schemas.microsoft.com/office/drawing/2014/main" id="{443D7520-10BA-4086-8B5D-3974F52F25F1}"/>
-              </a:ext>
-            </a:extLst>
-          </p:cNvPr>
-          <p:cNvSpPr txBox="1"/>
-          <p:nvPr/>
-        </p:nvSpPr>
-        <p:spPr>
-          <a:xfrm>
-            <a:off x="7398677" y="1031598"/>
-            <a:ext cx="314510" cy="1631216"/>
-          </a:xfrm>
-          <a:prstGeom prst="rect">
-            <a:avLst/>
-          </a:prstGeom>
-          <a:noFill/>
-        </p:spPr>
-        <p:txBody>
-          <a:bodyPr wrap="none" rtlCol="0">
-            <a:spAutoFit/>
-          </a:bodyPr>
-          <a:lstStyle/>
-          <a:p>
-            <a:r>
-              <a:rPr lang="de-DE" sz="2000" dirty="0">
-                <a:latin typeface="CMU Sans Serif" panose="02000603000000000000" pitchFamily="2" charset="0"/>
-                <a:ea typeface="CMU Sans Serif" panose="02000603000000000000" pitchFamily="2" charset="0"/>
-                <a:cs typeface="CMU Sans Serif" panose="02000603000000000000" pitchFamily="2" charset="0"/>
-              </a:rPr>
-              <a:t>1</a:t>
-            </a:r>
-          </a:p>
-          <a:p>
-            <a:endParaRPr lang="de-DE" sz="2000" dirty="0">
-              <a:latin typeface="CMU Sans Serif" panose="02000603000000000000" pitchFamily="2" charset="0"/>
-              <a:ea typeface="CMU Sans Serif" panose="02000603000000000000" pitchFamily="2" charset="0"/>
-              <a:cs typeface="CMU Sans Serif" panose="02000603000000000000" pitchFamily="2" charset="0"/>
-            </a:endParaRPr>
-          </a:p>
-          <a:p>
-            <a:r>
-              <a:rPr lang="de-DE" sz="2000" dirty="0">
-                <a:latin typeface="CMU Sans Serif" panose="02000603000000000000" pitchFamily="2" charset="0"/>
-                <a:ea typeface="CMU Sans Serif" panose="02000603000000000000" pitchFamily="2" charset="0"/>
-                <a:cs typeface="CMU Sans Serif" panose="02000603000000000000" pitchFamily="2" charset="0"/>
-              </a:rPr>
-              <a:t>2</a:t>
-            </a:r>
-          </a:p>
-          <a:p>
-            <a:endParaRPr lang="de-DE" sz="2000" dirty="0">
-              <a:latin typeface="CMU Sans Serif" panose="02000603000000000000" pitchFamily="2" charset="0"/>
-              <a:ea typeface="CMU Sans Serif" panose="02000603000000000000" pitchFamily="2" charset="0"/>
-              <a:cs typeface="CMU Sans Serif" panose="02000603000000000000" pitchFamily="2" charset="0"/>
-            </a:endParaRPr>
-          </a:p>
-          <a:p>
-            <a:r>
-              <a:rPr lang="de-DE" sz="2000" dirty="0">
-                <a:latin typeface="CMU Sans Serif" panose="02000603000000000000" pitchFamily="2" charset="0"/>
-                <a:ea typeface="CMU Sans Serif" panose="02000603000000000000" pitchFamily="2" charset="0"/>
-                <a:cs typeface="CMU Sans Serif" panose="02000603000000000000" pitchFamily="2" charset="0"/>
-              </a:rPr>
-              <a:t>3</a:t>
-            </a:r>
-            <a:endParaRPr lang="de-DE" dirty="0">
-              <a:latin typeface="CMU Sans Serif" panose="02000603000000000000" pitchFamily="2" charset="0"/>
-              <a:ea typeface="CMU Sans Serif" panose="02000603000000000000" pitchFamily="2" charset="0"/>
-              <a:cs typeface="CMU Sans Serif" panose="02000603000000000000" pitchFamily="2" charset="0"/>
-            </a:endParaRPr>
-          </a:p>
-        </p:txBody>
-      </p:sp>
-      <p:sp>
-        <p:nvSpPr>
-          <p:cNvPr id="53" name="Textfeld 52">
-            <a:extLst>
-              <a:ext uri="{FF2B5EF4-FFF2-40B4-BE49-F238E27FC236}">
-                <a16:creationId xmlns:a16="http://schemas.microsoft.com/office/drawing/2014/main" id="{26F62585-C699-47D5-8D9B-1EAC9FE0E579}"/>
-              </a:ext>
-            </a:extLst>
-          </p:cNvPr>
-          <p:cNvSpPr txBox="1"/>
-          <p:nvPr/>
-        </p:nvSpPr>
-        <p:spPr>
-          <a:xfrm>
-            <a:off x="8753806" y="1043745"/>
-            <a:ext cx="356188" cy="1631216"/>
-          </a:xfrm>
-          <a:prstGeom prst="rect">
-            <a:avLst/>
-          </a:prstGeom>
-          <a:noFill/>
-        </p:spPr>
-        <p:txBody>
-          <a:bodyPr wrap="none" rtlCol="0">
-            <a:spAutoFit/>
-          </a:bodyPr>
-          <a:lstStyle/>
-          <a:p>
-            <a:r>
-              <a:rPr lang="de-DE" sz="2000" dirty="0">
-                <a:latin typeface="CMU Sans Serif" panose="02000603000000000000" pitchFamily="2" charset="0"/>
-                <a:ea typeface="CMU Sans Serif" panose="02000603000000000000" pitchFamily="2" charset="0"/>
-                <a:cs typeface="CMU Sans Serif" panose="02000603000000000000" pitchFamily="2" charset="0"/>
-              </a:rPr>
-              <a:t>A</a:t>
-            </a:r>
-          </a:p>
-          <a:p>
-            <a:endParaRPr lang="de-DE" sz="2000" dirty="0">
-              <a:latin typeface="CMU Sans Serif" panose="02000603000000000000" pitchFamily="2" charset="0"/>
-              <a:ea typeface="CMU Sans Serif" panose="02000603000000000000" pitchFamily="2" charset="0"/>
-              <a:cs typeface="CMU Sans Serif" panose="02000603000000000000" pitchFamily="2" charset="0"/>
-            </a:endParaRPr>
-          </a:p>
-          <a:p>
-            <a:r>
-              <a:rPr lang="de-DE" sz="2000" dirty="0">
-                <a:latin typeface="CMU Sans Serif" panose="02000603000000000000" pitchFamily="2" charset="0"/>
-                <a:ea typeface="CMU Sans Serif" panose="02000603000000000000" pitchFamily="2" charset="0"/>
-                <a:cs typeface="CMU Sans Serif" panose="02000603000000000000" pitchFamily="2" charset="0"/>
-              </a:rPr>
-              <a:t>B</a:t>
-            </a:r>
-          </a:p>
-          <a:p>
-            <a:endParaRPr lang="de-DE" sz="2000" dirty="0">
-              <a:latin typeface="CMU Sans Serif" panose="02000603000000000000" pitchFamily="2" charset="0"/>
-              <a:ea typeface="CMU Sans Serif" panose="02000603000000000000" pitchFamily="2" charset="0"/>
-              <a:cs typeface="CMU Sans Serif" panose="02000603000000000000" pitchFamily="2" charset="0"/>
-            </a:endParaRPr>
-          </a:p>
-          <a:p>
-            <a:r>
-              <a:rPr lang="de-DE" sz="2000" dirty="0">
-                <a:latin typeface="CMU Sans Serif" panose="02000603000000000000" pitchFamily="2" charset="0"/>
-                <a:ea typeface="CMU Sans Serif" panose="02000603000000000000" pitchFamily="2" charset="0"/>
-                <a:cs typeface="CMU Sans Serif" panose="02000603000000000000" pitchFamily="2" charset="0"/>
-              </a:rPr>
-              <a:t>C</a:t>
-            </a:r>
-            <a:endParaRPr lang="de-DE" dirty="0">
-              <a:latin typeface="CMU Sans Serif" panose="02000603000000000000" pitchFamily="2" charset="0"/>
-              <a:ea typeface="CMU Sans Serif" panose="02000603000000000000" pitchFamily="2" charset="0"/>
-              <a:cs typeface="CMU Sans Serif" panose="02000603000000000000" pitchFamily="2" charset="0"/>
-            </a:endParaRPr>
-          </a:p>
-        </p:txBody>
-      </p:sp>
-      <p:cxnSp>
-        <p:nvCxnSpPr>
-          <p:cNvPr id="54" name="Gerade Verbindung mit Pfeil 53">
-            <a:extLst>
-              <a:ext uri="{FF2B5EF4-FFF2-40B4-BE49-F238E27FC236}">
-                <a16:creationId xmlns:a16="http://schemas.microsoft.com/office/drawing/2014/main" id="{F4A06154-BD4A-41D6-91E1-B33DB4A6ADB8}"/>
-              </a:ext>
-            </a:extLst>
-          </p:cNvPr>
-          <p:cNvCxnSpPr>
-            <a:cxnSpLocks/>
-          </p:cNvCxnSpPr>
-          <p:nvPr/>
-        </p:nvCxnSpPr>
-        <p:spPr>
-          <a:xfrm>
-            <a:off x="7690130" y="1214466"/>
-            <a:ext cx="1063676" cy="0"/>
-          </a:xfrm>
-          <a:prstGeom prst="straightConnector1">
-            <a:avLst/>
-          </a:prstGeom>
-          <a:ln w="12700">
-            <a:solidFill>
-              <a:schemeClr val="tx1">
-                <a:lumMod val="95000"/>
-                <a:lumOff val="5000"/>
-              </a:schemeClr>
-            </a:solidFill>
-            <a:tailEnd type="triangle" w="med" len="med"/>
-          </a:ln>
-        </p:spPr>
-        <p:style>
-          <a:lnRef idx="1">
-            <a:schemeClr val="accent1"/>
-          </a:lnRef>
-          <a:fillRef idx="0">
-            <a:schemeClr val="accent1"/>
-          </a:fillRef>
-          <a:effectRef idx="0">
-            <a:schemeClr val="accent1"/>
-          </a:effectRef>
-          <a:fontRef idx="minor">
-            <a:schemeClr val="tx1"/>
-          </a:fontRef>
-        </p:style>
-      </p:cxnSp>
-      <p:cxnSp>
-        <p:nvCxnSpPr>
-          <p:cNvPr id="55" name="Gerade Verbindung mit Pfeil 54">
-            <a:extLst>
-              <a:ext uri="{FF2B5EF4-FFF2-40B4-BE49-F238E27FC236}">
-                <a16:creationId xmlns:a16="http://schemas.microsoft.com/office/drawing/2014/main" id="{76C7868C-EFCE-4D11-9B3E-232EE31D9E37}"/>
-              </a:ext>
-            </a:extLst>
-          </p:cNvPr>
-          <p:cNvCxnSpPr>
-            <a:cxnSpLocks/>
-          </p:cNvCxnSpPr>
-          <p:nvPr/>
-        </p:nvCxnSpPr>
-        <p:spPr>
-          <a:xfrm>
-            <a:off x="7690130" y="1825022"/>
-            <a:ext cx="1063676" cy="0"/>
-          </a:xfrm>
-          <a:prstGeom prst="straightConnector1">
-            <a:avLst/>
-          </a:prstGeom>
-          <a:ln w="12700">
-            <a:solidFill>
-              <a:schemeClr val="tx1">
-                <a:lumMod val="95000"/>
-                <a:lumOff val="5000"/>
-              </a:schemeClr>
-            </a:solidFill>
-            <a:tailEnd type="triangle" w="med" len="med"/>
-          </a:ln>
-        </p:spPr>
-        <p:style>
-          <a:lnRef idx="1">
-            <a:schemeClr val="accent1"/>
-          </a:lnRef>
-          <a:fillRef idx="0">
-            <a:schemeClr val="accent1"/>
-          </a:fillRef>
-          <a:effectRef idx="0">
-            <a:schemeClr val="accent1"/>
-          </a:effectRef>
-          <a:fontRef idx="minor">
-            <a:schemeClr val="tx1"/>
-          </a:fontRef>
-        </p:style>
-      </p:cxnSp>
-      <p:cxnSp>
-        <p:nvCxnSpPr>
-          <p:cNvPr id="56" name="Gerade Verbindung mit Pfeil 55">
-            <a:extLst>
-              <a:ext uri="{FF2B5EF4-FFF2-40B4-BE49-F238E27FC236}">
-                <a16:creationId xmlns:a16="http://schemas.microsoft.com/office/drawing/2014/main" id="{A076910C-F01F-477C-9459-61317DBE8A2E}"/>
-              </a:ext>
-            </a:extLst>
-          </p:cNvPr>
-          <p:cNvCxnSpPr>
-            <a:cxnSpLocks/>
-          </p:cNvCxnSpPr>
-          <p:nvPr/>
-        </p:nvCxnSpPr>
-        <p:spPr>
-          <a:xfrm>
-            <a:off x="7690130" y="2431354"/>
-            <a:ext cx="1063676" cy="0"/>
-          </a:xfrm>
-          <a:prstGeom prst="straightConnector1">
-            <a:avLst/>
-          </a:prstGeom>
-          <a:ln w="12700">
-            <a:solidFill>
-              <a:schemeClr val="tx1">
-                <a:lumMod val="95000"/>
-                <a:lumOff val="5000"/>
-              </a:schemeClr>
-            </a:solidFill>
-            <a:tailEnd type="triangle" w="med" len="med"/>
-          </a:ln>
-        </p:spPr>
-        <p:style>
-          <a:lnRef idx="1">
-            <a:schemeClr val="accent1"/>
-          </a:lnRef>
-          <a:fillRef idx="0">
-            <a:schemeClr val="accent1"/>
-          </a:fillRef>
-          <a:effectRef idx="0">
-            <a:schemeClr val="accent1"/>
-          </a:effectRef>
-          <a:fontRef idx="minor">
-            <a:schemeClr val="tx1"/>
-          </a:fontRef>
-        </p:style>
-      </p:cxnSp>
     </p:spTree>
     <p:extLst>
       <p:ext uri="{BB962C8B-B14F-4D97-AF65-F5344CB8AC3E}">
@@ -4452,9 +4952,9 @@
 </file>
 
 <file path=ppt/theme/theme1.xml><?xml version="1.0" encoding="utf-8"?>
-<a:theme xmlns:a="http://schemas.openxmlformats.org/drawingml/2006/main" name="Office">
+<a:theme xmlns:a="http://schemas.openxmlformats.org/drawingml/2006/main" name="Office 2013 – 2022-Design">
   <a:themeElements>
-    <a:clrScheme name="Office">
+    <a:clrScheme name="Office 2013 – 2022-Design">
       <a:dk1>
         <a:sysClr val="windowText" lastClr="000000"/>
       </a:dk1>
@@ -4492,7 +4992,7 @@
         <a:srgbClr val="954F72"/>
       </a:folHlink>
     </a:clrScheme>
-    <a:fontScheme name="Office">
+    <a:fontScheme name="Office 2013 – 2022-Design">
       <a:majorFont>
         <a:latin typeface="Calibri Light" panose="020F0302020204030204"/>
         <a:ea typeface=""/>
@@ -4564,7 +5064,7 @@
         <a:font script="Geor" typeface="Sylfaen"/>
       </a:minorFont>
     </a:fontScheme>
-    <a:fmtScheme name="Office">
+    <a:fmtScheme name="Office 2013 – 2022-Design">
       <a:fillStyleLst>
         <a:solidFill>
           <a:schemeClr val="phClr"/>
@@ -4706,7 +5206,7 @@
   <a:extraClrSchemeLst/>
   <a:extLst>
     <a:ext uri="{05A4C25C-085E-4340-85A3-A5531E510DB2}">
-      <thm15:themeFamily xmlns:thm15="http://schemas.microsoft.com/office/thememl/2012/main" name="Office Theme" id="{62F939B6-93AF-4DB8-9C6B-D6C7DFDC589F}" vid="{4A3C46E8-61CC-4603-A589-7422A47A8E4A}"/>
+      <thm15:themeFamily xmlns:thm15="http://schemas.microsoft.com/office/thememl/2012/main" name="Office 2013 - 2022 Theme" id="{62F939B6-93AF-4DB8-9C6B-D6C7DFDC589F}" vid="{4A3C46E8-61CC-4603-A589-7422A47A8E4A}"/>
     </a:ext>
   </a:extLst>
 </a:theme>
